--- a/GitHub&VSCode&Arduino/Vscode아두이노.pptx
+++ b/GitHub&VSCode&Arduino/Vscode아두이노.pptx
@@ -10,7 +10,12 @@
     <p:sldId id="372" r:id="rId4"/>
     <p:sldId id="373" r:id="rId5"/>
     <p:sldId id="374" r:id="rId6"/>
-    <p:sldId id="375" r:id="rId7"/>
+    <p:sldId id="376" r:id="rId7"/>
+    <p:sldId id="375" r:id="rId8"/>
+    <p:sldId id="377" r:id="rId9"/>
+    <p:sldId id="378" r:id="rId10"/>
+    <p:sldId id="379" r:id="rId11"/>
+    <p:sldId id="380" r:id="rId12"/>
   </p:sldIdLst>
   <p:sldSz cx="12192000" cy="6858000"/>
   <p:notesSz cx="6858000" cy="9144000"/>
@@ -115,6 +120,62 @@
     </p:ext>
   </p:extLst>
 </p:presentation>
+</file>
+
+<file path=ppt/ink/ink1.xml><?xml version="1.0" encoding="utf-8"?>
+<inkml:ink xmlns:inkml="http://www.w3.org/2003/InkML">
+  <inkml:definitions>
+    <inkml:context xml:id="ctx0">
+      <inkml:inkSource xml:id="inkSrc0">
+        <inkml:traceFormat>
+          <inkml:channel name="X" type="integer" min="-2.14748E9" max="2.14748E9" units="cm"/>
+          <inkml:channel name="Y" type="integer" min="-2.14748E9" max="2.14748E9" units="cm"/>
+          <inkml:channel name="F" type="integer" max="32767" units="dev"/>
+        </inkml:traceFormat>
+        <inkml:channelProperties>
+          <inkml:channelProperty channel="X" name="resolution" value="1000" units="1/cm"/>
+          <inkml:channelProperty channel="Y" name="resolution" value="1000" units="1/cm"/>
+          <inkml:channelProperty channel="F" name="resolution" value="0" units="1/dev"/>
+        </inkml:channelProperties>
+      </inkml:inkSource>
+      <inkml:timestamp xml:id="ts0" timeString="2023-05-04T07:47:57.923"/>
+    </inkml:context>
+    <inkml:brush xml:id="br0">
+      <inkml:brushProperty name="width" value="0.05" units="cm"/>
+      <inkml:brushProperty name="height" value="0.05" units="cm"/>
+      <inkml:brushProperty name="color" value="#E71224"/>
+    </inkml:brush>
+  </inkml:definitions>
+  <inkml:trace contextRef="#ctx0" brushRef="#br0">2353 102 24575,'-360'-6'0,"26"-1"0,216 7 0,-655-17 0,499-3 0,150 9 0,80 9 0,1 0 0,-66 5 0,104-3 0,1 1 0,-1-1 0,1 1 0,0 0 0,-1 0 0,1 0 0,0 0 0,0 1 0,0-1 0,-7 4 0,5-1 0,0 0 0,0 0 0,0 0 0,-8 10 0,-4 2 0,13-12 0,0 0 0,0 0 0,1 1 0,0-1 0,0 1 0,1 0 0,-1 0 0,-3 8 0,1 6 0,0 0 0,2 0 0,-2 25 0,6-32 0,0-1 0,1 1 0,1-1 0,0 1 0,2-1 0,8 21 0,-4-19 0,0 0 0,1 0 0,19 20 0,-15-18 0,2-1 0,0 0 0,1 0 0,1-1 0,0-1 0,31 17 0,-20-15 0,0-1 0,2-1 0,0 0 0,0-2 0,1-1 0,1 0 0,65 9 0,64 7 0,586 73 0,-736-97 0,22 1 0,1 1 0,-1 2 0,0 0 0,-1 1 0,37 11 0,-43-10 0,0-2 0,1 0 0,-1-1 0,1-1 0,36 1 0,-22-1 0,87 6 0,74 7 0,120 3 0,2-16 0,-264-4 0,135 5 0,253 28 0,-379-24 0,127 9 0,328-15 0,-375-3 0,-144 1 0,1 0 0,-1-1 0,1 1 0,-1-1 0,1 0 0,-1 0 0,0-1 0,0 1 0,0-1 0,0 0 0,8-3 0,1-3 0,0 0 0,16-13 0,18-10 0,9 3 0,1 2 0,70-22 0,14-6 0,-128 47 0,0-1 0,-1 0 0,0 0 0,-1-1 0,0 0 0,11-11 0,18-14 0,88-70 0,-127 103 0,-1-1 0,1 1 0,0-1 0,-1 1 0,1-1 0,-1 0 0,1 1 0,-1-1 0,0 0 0,0 0 0,0 0 0,-1 0 0,1 0 0,-1 0 0,1 0 0,-1 0 0,0 1 0,0-1 0,0 0 0,0 0 0,-1 0 0,1 0 0,-1 0 0,1 0 0,-1 0 0,0 0 0,0 0 0,0 1 0,0-1 0,-1 0 0,1 0 0,-1 1 0,1-1 0,-1 1 0,0-1 0,0 1 0,0 0 0,0-1 0,0 1 0,-3-1 0,-22-12 0,-2 1 0,1 1 0,-2 0 0,-48-12 0,32 10 0,-558-144 0,514 137 0,-160-30 0,-68 13 0,110 15 0,75 8 0,-256-3 0,-570 20-1365,945-2-5461</inkml:trace>
+</inkml:ink>
+</file>
+
+<file path=ppt/ink/ink2.xml><?xml version="1.0" encoding="utf-8"?>
+<inkml:ink xmlns:inkml="http://www.w3.org/2003/InkML">
+  <inkml:definitions>
+    <inkml:context xml:id="ctx0">
+      <inkml:inkSource xml:id="inkSrc0">
+        <inkml:traceFormat>
+          <inkml:channel name="X" type="integer" min="-2.14748E9" max="2.14748E9" units="cm"/>
+          <inkml:channel name="Y" type="integer" min="-2.14748E9" max="2.14748E9" units="cm"/>
+          <inkml:channel name="F" type="integer" max="32767" units="dev"/>
+        </inkml:traceFormat>
+        <inkml:channelProperties>
+          <inkml:channelProperty channel="X" name="resolution" value="1000" units="1/cm"/>
+          <inkml:channelProperty channel="Y" name="resolution" value="1000" units="1/cm"/>
+          <inkml:channelProperty channel="F" name="resolution" value="0" units="1/dev"/>
+        </inkml:channelProperties>
+      </inkml:inkSource>
+      <inkml:timestamp xml:id="ts0" timeString="2023-05-04T08:41:48.538"/>
+    </inkml:context>
+    <inkml:brush xml:id="br0">
+      <inkml:brushProperty name="width" value="0.05" units="cm"/>
+      <inkml:brushProperty name="height" value="0.05" units="cm"/>
+      <inkml:brushProperty name="color" value="#E71224"/>
+    </inkml:brush>
+  </inkml:definitions>
+  <inkml:trace contextRef="#ctx0" brushRef="#br0">2323 143 24575,'-26'-2'0,"0"-1"0,-48-11 0,41 7 0,-10-3 0,24 5 0,1 1 0,-1 1 0,-35-2 0,-685 6 0,698-2 0,0-2 0,-77-16 0,-78-34 0,171 48 0,1 1 0,-2 1 0,1 1 0,0 1 0,-39 5 0,-2-2 0,-29-4 0,-95 4 0,165 0 0,-1 1 0,1 2 0,0 0 0,0 1 0,-31 13 0,50-16 0,1 0 0,-1 0 0,1 1 0,0 0 0,0 0 0,0 0 0,0 0 0,1 1 0,-1 0 0,-6 9 0,-1 6 0,-17 34 0,17-30 0,5-6 0,0 1 0,1 0 0,1 0 0,0 1 0,2-1 0,0 1 0,1 0 0,1 0 0,1 0 0,1 0 0,1 0 0,0 0 0,2-1 0,6 24 0,-4-30 0,-1-1 0,2-1 0,0 1 0,0-1 0,1-1 0,10 12 0,5 8 0,-7-10 0,1-1 0,1-1 0,30 26 0,67 42 0,-62-48 0,-26-19 0,1-1 0,1-1 0,0-2 0,1 0 0,51 15 0,38 14 0,-64-22 0,77 19 0,319 29 0,-269-47 0,-124-15 0,259 46 0,-103-7 0,307 27 0,223-26 0,-586-40 0,296 8-140,16 0-134,-2 24 126,-180 3 148,262 24 0,-189-57 4,-82-4-56,1649 37-185,-296-40 878,-861-5-435,-636 3-206,173-3 0,-234-3 0,-1-2 0,83-20 0,-133 21 0,0-2 0,0 0 0,-1-2 0,0 0 0,39-26 0,92-79 0,-139 104 0,24-20 0,6-2 0,-2-3 0,73-80 0,-112 112 0,0-1 0,0 1 0,0-1 0,-1 1 0,1-1 0,-1 0 0,0 0 0,-1 0 0,0 0 0,1 0 0,-1-1 0,-1 1 0,1 0 0,-1 0 0,0-1 0,0 1 0,-1 0 0,1-1 0,-1 1 0,0 0 0,-3-7 0,-3-8 0,-2 1 0,0 0 0,-1 0 0,-13-18 0,-2-5 0,17 29 0,0 1 0,-1 0 0,0 1 0,-1 0 0,0 1 0,-1 0 0,0 0 0,-1 1 0,-23-14 0,-1 3 0,-2 1 0,-48-16 0,17 11 0,-2 4 0,-89-15 0,-149-9 0,273 40 0,-907-41 0,313 60 0,76 4 0,-11 0 0,-630 25 0,-3-36 0,-242-8 0,1041-22 0,322 12 0,-1-4 0,2-3 0,-82-30 0,-129-39 0,122 40 0,141 41 0,1 0 0,-1 2 0,-36-2 0,38 4 0,13 0 0,0-1 0,0 0 0,0 0 0,-14-6 0,13 4 0,1 1 0,-1 0 0,0 0 0,-11 0 0,1 0 0,0-1 0,-22-6 0,23 4 0,-2 1 0,-20-1 0,-339-44 0,176 16-1365,172 27-5461</inkml:trace>
+</inkml:ink>
 </file>
 
 <file path=ppt/slideLayouts/slideLayout1.xml><?xml version="1.0" encoding="utf-8"?>
@@ -3675,6 +3736,260 @@
 </p:sld>
 </file>
 
+<file path=ppt/slides/slide10.xml><?xml version="1.0" encoding="utf-8"?>
+<p:sld xmlns:a="http://schemas.openxmlformats.org/drawingml/2006/main" xmlns:r="http://schemas.openxmlformats.org/officeDocument/2006/relationships" xmlns:p="http://schemas.openxmlformats.org/presentationml/2006/main">
+  <p:cSld>
+    <p:spTree>
+      <p:nvGrpSpPr>
+        <p:cNvPr id="1" name=""/>
+        <p:cNvGrpSpPr/>
+        <p:nvPr/>
+      </p:nvGrpSpPr>
+      <p:grpSpPr>
+        <a:xfrm>
+          <a:off x="0" y="0"/>
+          <a:ext cx="0" cy="0"/>
+          <a:chOff x="0" y="0"/>
+          <a:chExt cx="0" cy="0"/>
+        </a:xfrm>
+      </p:grpSpPr>
+      <p:pic>
+        <p:nvPicPr>
+          <p:cNvPr id="3" name="그림 2">
+            <a:extLst>
+              <a:ext uri="{FF2B5EF4-FFF2-40B4-BE49-F238E27FC236}">
+                <a16:creationId xmlns:a16="http://schemas.microsoft.com/office/drawing/2014/main" id="{7CC1B15C-E8CC-10C2-BD2E-4A580CF192C0}"/>
+              </a:ext>
+            </a:extLst>
+          </p:cNvPr>
+          <p:cNvPicPr>
+            <a:picLocks noChangeAspect="1"/>
+          </p:cNvPicPr>
+          <p:nvPr/>
+        </p:nvPicPr>
+        <p:blipFill>
+          <a:blip r:embed="rId2"/>
+          <a:stretch>
+            <a:fillRect/>
+          </a:stretch>
+        </p:blipFill>
+        <p:spPr>
+          <a:xfrm>
+            <a:off x="4674092" y="320675"/>
+            <a:ext cx="5893414" cy="6216650"/>
+          </a:xfrm>
+          <a:prstGeom prst="rect">
+            <a:avLst/>
+          </a:prstGeom>
+        </p:spPr>
+      </p:pic>
+      <p:sp>
+        <p:nvSpPr>
+          <p:cNvPr id="4" name="TextBox 3">
+            <a:extLst>
+              <a:ext uri="{FF2B5EF4-FFF2-40B4-BE49-F238E27FC236}">
+                <a16:creationId xmlns:a16="http://schemas.microsoft.com/office/drawing/2014/main" id="{23F376E6-D50E-F5B2-6597-691F9E71CA39}"/>
+              </a:ext>
+            </a:extLst>
+          </p:cNvPr>
+          <p:cNvSpPr txBox="1"/>
+          <p:nvPr/>
+        </p:nvSpPr>
+        <p:spPr>
+          <a:xfrm>
+            <a:off x="76200" y="2692400"/>
+            <a:ext cx="4419600" cy="1112164"/>
+          </a:xfrm>
+          <a:prstGeom prst="rect">
+            <a:avLst/>
+          </a:prstGeom>
+          <a:noFill/>
+        </p:spPr>
+        <p:txBody>
+          <a:bodyPr wrap="square" rtlCol="0">
+            <a:spAutoFit/>
+          </a:bodyPr>
+          <a:lstStyle/>
+          <a:p>
+            <a:pPr>
+              <a:lnSpc>
+                <a:spcPct val="200000"/>
+              </a:lnSpc>
+            </a:pPr>
+            <a:r>
+              <a:rPr lang="ko-KR" altLang="en-US" b="1" dirty="0">
+                <a:solidFill>
+                  <a:srgbClr val="FF0000"/>
+                </a:solidFill>
+              </a:rPr>
+              <a:t>식별자가 없다고 오류선이 뜨지만</a:t>
+            </a:r>
+            <a:r>
+              <a:rPr lang="en-US" altLang="ko-KR" b="1" dirty="0">
+                <a:solidFill>
+                  <a:srgbClr val="FF0000"/>
+                </a:solidFill>
+              </a:rPr>
+              <a:t>, </a:t>
+            </a:r>
+          </a:p>
+          <a:p>
+            <a:pPr>
+              <a:lnSpc>
+                <a:spcPct val="200000"/>
+              </a:lnSpc>
+            </a:pPr>
+            <a:r>
+              <a:rPr lang="ko-KR" altLang="en-US" b="1" dirty="0">
+                <a:solidFill>
+                  <a:srgbClr val="FF0000"/>
+                </a:solidFill>
+              </a:rPr>
+              <a:t>업로드시에는 문제없다</a:t>
+            </a:r>
+            <a:r>
+              <a:rPr lang="en-US" altLang="ko-KR" b="1" dirty="0">
+                <a:solidFill>
+                  <a:srgbClr val="FF0000"/>
+                </a:solidFill>
+              </a:rPr>
+              <a:t>.</a:t>
+            </a:r>
+            <a:endParaRPr lang="ko-KR" altLang="en-US" b="1" dirty="0">
+              <a:solidFill>
+                <a:srgbClr val="FF0000"/>
+              </a:solidFill>
+            </a:endParaRPr>
+          </a:p>
+        </p:txBody>
+      </p:sp>
+    </p:spTree>
+    <p:extLst>
+      <p:ext uri="{BB962C8B-B14F-4D97-AF65-F5344CB8AC3E}">
+        <p14:creationId xmlns:p14="http://schemas.microsoft.com/office/powerpoint/2010/main" val="3693908617"/>
+      </p:ext>
+    </p:extLst>
+  </p:cSld>
+  <p:clrMapOvr>
+    <a:masterClrMapping/>
+  </p:clrMapOvr>
+</p:sld>
+</file>
+
+<file path=ppt/slides/slide11.xml><?xml version="1.0" encoding="utf-8"?>
+<p:sld xmlns:a="http://schemas.openxmlformats.org/drawingml/2006/main" xmlns:r="http://schemas.openxmlformats.org/officeDocument/2006/relationships" xmlns:p="http://schemas.openxmlformats.org/presentationml/2006/main">
+  <p:cSld>
+    <p:spTree>
+      <p:nvGrpSpPr>
+        <p:cNvPr id="1" name=""/>
+        <p:cNvGrpSpPr/>
+        <p:nvPr/>
+      </p:nvGrpSpPr>
+      <p:grpSpPr>
+        <a:xfrm>
+          <a:off x="0" y="0"/>
+          <a:ext cx="0" cy="0"/>
+          <a:chOff x="0" y="0"/>
+          <a:chExt cx="0" cy="0"/>
+        </a:xfrm>
+      </p:grpSpPr>
+      <p:pic>
+        <p:nvPicPr>
+          <p:cNvPr id="3" name="그림 2">
+            <a:extLst>
+              <a:ext uri="{FF2B5EF4-FFF2-40B4-BE49-F238E27FC236}">
+                <a16:creationId xmlns:a16="http://schemas.microsoft.com/office/drawing/2014/main" id="{AE924770-422C-B925-E904-D6BC9BA22C91}"/>
+              </a:ext>
+            </a:extLst>
+          </p:cNvPr>
+          <p:cNvPicPr>
+            <a:picLocks noChangeAspect="1"/>
+          </p:cNvPicPr>
+          <p:nvPr/>
+        </p:nvPicPr>
+        <p:blipFill rotWithShape="1">
+          <a:blip r:embed="rId2">
+            <a:extLst>
+              <a:ext uri="{28A0092B-C50C-407E-A947-70E740481C1C}">
+                <a14:useLocalDpi xmlns:a14="http://schemas.microsoft.com/office/drawing/2010/main" val="0"/>
+              </a:ext>
+            </a:extLst>
+          </a:blip>
+          <a:srcRect l="70969" t="85926"/>
+          <a:stretch/>
+        </p:blipFill>
+        <p:spPr>
+          <a:xfrm>
+            <a:off x="806450" y="1771650"/>
+            <a:ext cx="9849316" cy="3028950"/>
+          </a:xfrm>
+          <a:prstGeom prst="rect">
+            <a:avLst/>
+          </a:prstGeom>
+        </p:spPr>
+      </p:pic>
+      <p:sp>
+        <p:nvSpPr>
+          <p:cNvPr id="4" name="TextBox 3">
+            <a:extLst>
+              <a:ext uri="{FF2B5EF4-FFF2-40B4-BE49-F238E27FC236}">
+                <a16:creationId xmlns:a16="http://schemas.microsoft.com/office/drawing/2014/main" id="{A0CD4DFA-72EE-8AAC-15B4-E82B2A5BF7B6}"/>
+              </a:ext>
+            </a:extLst>
+          </p:cNvPr>
+          <p:cNvSpPr txBox="1"/>
+          <p:nvPr/>
+        </p:nvSpPr>
+        <p:spPr>
+          <a:xfrm>
+            <a:off x="6007100" y="3067050"/>
+            <a:ext cx="2343150" cy="713465"/>
+          </a:xfrm>
+          <a:prstGeom prst="rect">
+            <a:avLst/>
+          </a:prstGeom>
+          <a:noFill/>
+        </p:spPr>
+        <p:txBody>
+          <a:bodyPr wrap="square" rtlCol="0">
+            <a:spAutoFit/>
+          </a:bodyPr>
+          <a:lstStyle/>
+          <a:p>
+            <a:pPr>
+              <a:lnSpc>
+                <a:spcPct val="200000"/>
+              </a:lnSpc>
+            </a:pPr>
+            <a:r>
+              <a:rPr lang="ko-KR" altLang="en-US" sz="2400" b="1">
+                <a:solidFill>
+                  <a:srgbClr val="FF0000"/>
+                </a:solidFill>
+              </a:rPr>
+              <a:t>시리얼모니터</a:t>
+            </a:r>
+            <a:endParaRPr lang="ko-KR" altLang="en-US" sz="2400" b="1" dirty="0">
+              <a:solidFill>
+                <a:srgbClr val="FF0000"/>
+              </a:solidFill>
+            </a:endParaRPr>
+          </a:p>
+        </p:txBody>
+      </p:sp>
+    </p:spTree>
+    <p:extLst>
+      <p:ext uri="{BB962C8B-B14F-4D97-AF65-F5344CB8AC3E}">
+        <p14:creationId xmlns:p14="http://schemas.microsoft.com/office/powerpoint/2010/main" val="3586044841"/>
+      </p:ext>
+    </p:extLst>
+  </p:cSld>
+  <p:clrMapOvr>
+    <a:masterClrMapping/>
+  </p:clrMapOvr>
+</p:sld>
+</file>
+
 <file path=ppt/slides/slide2.xml><?xml version="1.0" encoding="utf-8"?>
 <p:sld xmlns:a="http://schemas.openxmlformats.org/drawingml/2006/main" xmlns:r="http://schemas.openxmlformats.org/officeDocument/2006/relationships" xmlns:p="http://schemas.openxmlformats.org/presentationml/2006/main">
   <p:cSld>
@@ -3966,6 +4281,20 @@
                 <a:ea typeface="나눔고딕" panose="020D0604000000000000" pitchFamily="50" charset="-127"/>
               </a:rPr>
               <a:t>1. </a:t>
+            </a:r>
+            <a:r>
+              <a:rPr lang="ko-KR" altLang="en-US" sz="4800" b="1" dirty="0">
+                <a:latin typeface="나눔고딕" panose="020D0604000000000000" pitchFamily="50" charset="-127"/>
+                <a:ea typeface="나눔고딕" panose="020D0604000000000000" pitchFamily="50" charset="-127"/>
+              </a:rPr>
+              <a:t>자신컴퓨터에</a:t>
+            </a:r>
+            <a:r>
+              <a:rPr lang="en-US" altLang="ko-KR" sz="4800" b="1" dirty="0">
+                <a:latin typeface="나눔고딕" panose="020D0604000000000000" pitchFamily="50" charset="-127"/>
+                <a:ea typeface="나눔고딕" panose="020D0604000000000000" pitchFamily="50" charset="-127"/>
+              </a:rPr>
+              <a:t> </a:t>
             </a:r>
             <a:r>
               <a:rPr lang="ko-KR" altLang="en-US" sz="4800" b="1" dirty="0" err="1">
@@ -5203,7 +5532,7 @@
           <p:cNvPr id="2" name="TextBox 1">
             <a:extLst>
               <a:ext uri="{FF2B5EF4-FFF2-40B4-BE49-F238E27FC236}">
-                <a16:creationId xmlns:a16="http://schemas.microsoft.com/office/drawing/2014/main" id="{50AA84AC-2A50-BF5E-0E8E-6AF4899A37A5}"/>
+                <a16:creationId xmlns:a16="http://schemas.microsoft.com/office/drawing/2014/main" id="{27CF1E38-9F16-313B-0973-ADFBDB38FE02}"/>
               </a:ext>
             </a:extLst>
           </p:cNvPr>
@@ -5214,7 +5543,7 @@
         </p:nvSpPr>
         <p:spPr bwMode="auto">
           <a:xfrm>
-            <a:off x="134981" y="-94515"/>
+            <a:off x="0" y="-174970"/>
             <a:ext cx="10942852" cy="977832"/>
           </a:xfrm>
           <a:prstGeom prst="rect">
@@ -5430,40 +5759,3365 @@
                 <a:latin typeface="나눔고딕" panose="020D0604000000000000" pitchFamily="50" charset="-127"/>
                 <a:ea typeface="나눔고딕" panose="020D0604000000000000" pitchFamily="50" charset="-127"/>
               </a:rPr>
-              <a:t>5</a:t>
-            </a:r>
-            <a:r>
-              <a:rPr lang="en-US" altLang="ko-KR" sz="4400" b="1">
+              <a:t>5. </a:t>
+            </a:r>
+            <a:r>
+              <a:rPr lang="ko-KR" altLang="en-US" sz="4400" b="1" dirty="0" err="1">
                 <a:latin typeface="나눔고딕" panose="020D0604000000000000" pitchFamily="50" charset="-127"/>
                 <a:ea typeface="나눔고딕" panose="020D0604000000000000" pitchFamily="50" charset="-127"/>
               </a:rPr>
-              <a:t>. </a:t>
-            </a:r>
-            <a:r>
-              <a:rPr lang="en-US" altLang="ko-KR" sz="4400" b="1" dirty="0">
-                <a:latin typeface="나눔고딕" panose="020D0604000000000000" pitchFamily="50" charset="-127"/>
-                <a:ea typeface="나눔고딕" panose="020D0604000000000000" pitchFamily="50" charset="-127"/>
-              </a:rPr>
-              <a:t>C/C++ </a:t>
+              <a:t>아두이노</a:t>
             </a:r>
             <a:r>
               <a:rPr lang="ko-KR" altLang="en-US" sz="4400" b="1" dirty="0">
                 <a:latin typeface="나눔고딕" panose="020D0604000000000000" pitchFamily="50" charset="-127"/>
                 <a:ea typeface="나눔고딕" panose="020D0604000000000000" pitchFamily="50" charset="-127"/>
               </a:rPr>
-              <a:t>컴파일러 설치</a:t>
+              <a:t> 설정</a:t>
             </a:r>
             <a:endParaRPr lang="en-US" altLang="ko-KR" sz="4400" b="1" dirty="0">
               <a:latin typeface="나눔고딕" panose="020D0604000000000000" pitchFamily="50" charset="-127"/>
               <a:ea typeface="나눔고딕" panose="020D0604000000000000" pitchFamily="50" charset="-127"/>
             </a:endParaRPr>
+          </a:p>
+        </p:txBody>
+      </p:sp>
+      <p:pic>
+        <p:nvPicPr>
+          <p:cNvPr id="4" name="그림 3">
+            <a:extLst>
+              <a:ext uri="{FF2B5EF4-FFF2-40B4-BE49-F238E27FC236}">
+                <a16:creationId xmlns:a16="http://schemas.microsoft.com/office/drawing/2014/main" id="{BF8D4AA7-5857-7B27-2654-883F75608F6F}"/>
+              </a:ext>
+            </a:extLst>
+          </p:cNvPr>
+          <p:cNvPicPr>
+            <a:picLocks noChangeAspect="1"/>
+          </p:cNvPicPr>
+          <p:nvPr/>
+        </p:nvPicPr>
+        <p:blipFill>
+          <a:blip r:embed="rId2"/>
+          <a:stretch>
+            <a:fillRect/>
+          </a:stretch>
+        </p:blipFill>
+        <p:spPr>
+          <a:xfrm>
+            <a:off x="161280" y="802862"/>
+            <a:ext cx="4701103" cy="2892986"/>
+          </a:xfrm>
+          <a:prstGeom prst="rect">
+            <a:avLst/>
+          </a:prstGeom>
+        </p:spPr>
+      </p:pic>
+      <p:sp>
+        <p:nvSpPr>
+          <p:cNvPr id="5" name="TextBox 4">
+            <a:extLst>
+              <a:ext uri="{FF2B5EF4-FFF2-40B4-BE49-F238E27FC236}">
+                <a16:creationId xmlns:a16="http://schemas.microsoft.com/office/drawing/2014/main" id="{B65A02B2-B491-21E5-5E1B-2469A874A0A2}"/>
+              </a:ext>
+            </a:extLst>
+          </p:cNvPr>
+          <p:cNvSpPr txBox="1"/>
+          <p:nvPr/>
+        </p:nvSpPr>
+        <p:spPr>
+          <a:xfrm>
+            <a:off x="784653" y="2249355"/>
+            <a:ext cx="4312508" cy="369332"/>
+          </a:xfrm>
+          <a:prstGeom prst="rect">
+            <a:avLst/>
+          </a:prstGeom>
+          <a:noFill/>
+        </p:spPr>
+        <p:txBody>
+          <a:bodyPr wrap="square" rtlCol="0">
+            <a:spAutoFit/>
+          </a:bodyPr>
+          <a:lstStyle/>
+          <a:p>
+            <a:r>
+              <a:rPr lang="en-US" altLang="ko-KR" b="1" dirty="0">
+                <a:solidFill>
+                  <a:srgbClr val="FF0000"/>
+                </a:solidFill>
+              </a:rPr>
+              <a:t>1.  </a:t>
+            </a:r>
+            <a:r>
+              <a:rPr lang="ko-KR" altLang="en-US" b="1" dirty="0" err="1">
+                <a:solidFill>
+                  <a:srgbClr val="FF0000"/>
+                </a:solidFill>
+              </a:rPr>
+              <a:t>아두이노</a:t>
+            </a:r>
+            <a:r>
+              <a:rPr lang="ko-KR" altLang="en-US" b="1" dirty="0">
+                <a:solidFill>
+                  <a:srgbClr val="FF0000"/>
+                </a:solidFill>
+              </a:rPr>
+              <a:t> 폴더와 파일 만들기</a:t>
+            </a:r>
+          </a:p>
+        </p:txBody>
+      </p:sp>
+      <p:pic>
+        <p:nvPicPr>
+          <p:cNvPr id="9" name="그림 8">
+            <a:extLst>
+              <a:ext uri="{FF2B5EF4-FFF2-40B4-BE49-F238E27FC236}">
+                <a16:creationId xmlns:a16="http://schemas.microsoft.com/office/drawing/2014/main" id="{30AB439A-B191-E121-E6B2-D51F26B481F0}"/>
+              </a:ext>
+            </a:extLst>
+          </p:cNvPr>
+          <p:cNvPicPr>
+            <a:picLocks noChangeAspect="1"/>
+          </p:cNvPicPr>
+          <p:nvPr/>
+        </p:nvPicPr>
+        <p:blipFill rotWithShape="1">
+          <a:blip r:embed="rId3">
+            <a:extLst>
+              <a:ext uri="{28A0092B-C50C-407E-A947-70E740481C1C}">
+                <a14:useLocalDpi xmlns:a14="http://schemas.microsoft.com/office/drawing/2010/main" val="0"/>
+              </a:ext>
+            </a:extLst>
+          </a:blip>
+          <a:srcRect l="15297" r="32830" b="53333"/>
+          <a:stretch/>
+        </p:blipFill>
+        <p:spPr>
+          <a:xfrm>
+            <a:off x="5485756" y="812135"/>
+            <a:ext cx="4782064" cy="2883713"/>
+          </a:xfrm>
+          <a:prstGeom prst="rect">
+            <a:avLst/>
+          </a:prstGeom>
+        </p:spPr>
+      </p:pic>
+      <p:sp>
+        <p:nvSpPr>
+          <p:cNvPr id="10" name="TextBox 9">
+            <a:extLst>
+              <a:ext uri="{FF2B5EF4-FFF2-40B4-BE49-F238E27FC236}">
+                <a16:creationId xmlns:a16="http://schemas.microsoft.com/office/drawing/2014/main" id="{F8BBC232-EED5-5441-26C7-7E7426DE5150}"/>
+              </a:ext>
+            </a:extLst>
+          </p:cNvPr>
+          <p:cNvSpPr txBox="1"/>
+          <p:nvPr/>
+        </p:nvSpPr>
+        <p:spPr>
+          <a:xfrm>
+            <a:off x="5650511" y="2522175"/>
+            <a:ext cx="4312508" cy="869790"/>
+          </a:xfrm>
+          <a:prstGeom prst="rect">
+            <a:avLst/>
+          </a:prstGeom>
+          <a:noFill/>
+        </p:spPr>
+        <p:txBody>
+          <a:bodyPr wrap="square" rtlCol="0">
+            <a:spAutoFit/>
+          </a:bodyPr>
+          <a:lstStyle/>
+          <a:p>
+            <a:pPr>
+              <a:lnSpc>
+                <a:spcPct val="150000"/>
+              </a:lnSpc>
+            </a:pPr>
+            <a:r>
+              <a:rPr lang="en-US" altLang="ko-KR" b="1" dirty="0">
+                <a:solidFill>
+                  <a:srgbClr val="FF0000"/>
+                </a:solidFill>
+              </a:rPr>
+              <a:t>2. F1</a:t>
+            </a:r>
+            <a:r>
+              <a:rPr lang="ko-KR" altLang="en-US" b="1" dirty="0">
+                <a:solidFill>
+                  <a:srgbClr val="FF0000"/>
+                </a:solidFill>
+              </a:rPr>
+              <a:t>키 → </a:t>
+            </a:r>
+            <a:r>
+              <a:rPr lang="en-US" altLang="ko-KR" b="1" dirty="0">
+                <a:solidFill>
+                  <a:srgbClr val="FF0000"/>
+                </a:solidFill>
+              </a:rPr>
+              <a:t>Arduino: initialize</a:t>
+            </a:r>
+            <a:r>
+              <a:rPr lang="ko-KR" altLang="en-US" b="1" dirty="0" err="1">
+                <a:solidFill>
+                  <a:srgbClr val="FF0000"/>
+                </a:solidFill>
+              </a:rPr>
+              <a:t>클릭후</a:t>
+            </a:r>
+            <a:r>
+              <a:rPr lang="ko-KR" altLang="en-US" b="1" dirty="0">
+                <a:solidFill>
+                  <a:srgbClr val="FF0000"/>
+                </a:solidFill>
+              </a:rPr>
+              <a:t> </a:t>
+            </a:r>
+            <a:endParaRPr lang="en-US" altLang="ko-KR" b="1" dirty="0">
+              <a:solidFill>
+                <a:srgbClr val="FF0000"/>
+              </a:solidFill>
+            </a:endParaRPr>
+          </a:p>
+          <a:p>
+            <a:pPr>
+              <a:lnSpc>
+                <a:spcPct val="150000"/>
+              </a:lnSpc>
+            </a:pPr>
+            <a:r>
+              <a:rPr lang="en-US" altLang="ko-KR" b="1" dirty="0">
+                <a:solidFill>
+                  <a:srgbClr val="FF0000"/>
+                </a:solidFill>
+              </a:rPr>
+              <a:t> </a:t>
+            </a:r>
+            <a:r>
+              <a:rPr lang="ko-KR" altLang="en-US" b="1" dirty="0">
+                <a:solidFill>
+                  <a:srgbClr val="FF0000"/>
+                </a:solidFill>
+              </a:rPr>
+              <a:t>자신의 보드 타입 선택</a:t>
+            </a:r>
+            <a:r>
+              <a:rPr lang="en-US" altLang="ko-KR" b="1" dirty="0">
+                <a:solidFill>
+                  <a:srgbClr val="FF0000"/>
+                </a:solidFill>
+              </a:rPr>
+              <a:t>.</a:t>
+            </a:r>
+            <a:endParaRPr lang="ko-KR" altLang="en-US" b="1" dirty="0">
+              <a:solidFill>
+                <a:srgbClr val="FF0000"/>
+              </a:solidFill>
+            </a:endParaRPr>
+          </a:p>
+        </p:txBody>
+      </p:sp>
+      <p:pic>
+        <p:nvPicPr>
+          <p:cNvPr id="12" name="그림 11">
+            <a:extLst>
+              <a:ext uri="{FF2B5EF4-FFF2-40B4-BE49-F238E27FC236}">
+                <a16:creationId xmlns:a16="http://schemas.microsoft.com/office/drawing/2014/main" id="{DDD57D1E-0F1C-F70C-33FC-861743F0A91A}"/>
+              </a:ext>
+            </a:extLst>
+          </p:cNvPr>
+          <p:cNvPicPr>
+            <a:picLocks noChangeAspect="1"/>
+          </p:cNvPicPr>
+          <p:nvPr/>
+        </p:nvPicPr>
+        <p:blipFill>
+          <a:blip r:embed="rId4"/>
+          <a:stretch>
+            <a:fillRect/>
+          </a:stretch>
+        </p:blipFill>
+        <p:spPr>
+          <a:xfrm>
+            <a:off x="161280" y="3930034"/>
+            <a:ext cx="4538663" cy="2591521"/>
+          </a:xfrm>
+          <a:prstGeom prst="rect">
+            <a:avLst/>
+          </a:prstGeom>
+        </p:spPr>
+      </p:pic>
+      <p:sp>
+        <p:nvSpPr>
+          <p:cNvPr id="13" name="TextBox 12">
+            <a:extLst>
+              <a:ext uri="{FF2B5EF4-FFF2-40B4-BE49-F238E27FC236}">
+                <a16:creationId xmlns:a16="http://schemas.microsoft.com/office/drawing/2014/main" id="{CB6E8484-55D3-D0F7-97FA-C4DDB4311A63}"/>
+              </a:ext>
+            </a:extLst>
+          </p:cNvPr>
+          <p:cNvSpPr txBox="1"/>
+          <p:nvPr/>
+        </p:nvSpPr>
+        <p:spPr>
+          <a:xfrm>
+            <a:off x="1889681" y="5354053"/>
+            <a:ext cx="2102452" cy="454292"/>
+          </a:xfrm>
+          <a:prstGeom prst="rect">
+            <a:avLst/>
+          </a:prstGeom>
+          <a:noFill/>
+        </p:spPr>
+        <p:txBody>
+          <a:bodyPr wrap="square" rtlCol="0">
+            <a:spAutoFit/>
+          </a:bodyPr>
+          <a:lstStyle/>
+          <a:p>
+            <a:pPr>
+              <a:lnSpc>
+                <a:spcPct val="150000"/>
+              </a:lnSpc>
+            </a:pPr>
+            <a:r>
+              <a:rPr lang="en-US" altLang="ko-KR" b="1" dirty="0">
+                <a:solidFill>
+                  <a:srgbClr val="FF0000"/>
+                </a:solidFill>
+              </a:rPr>
+              <a:t>3. .</a:t>
+            </a:r>
+            <a:r>
+              <a:rPr lang="en-US" altLang="ko-KR" b="1" dirty="0" err="1">
+                <a:solidFill>
+                  <a:srgbClr val="FF0000"/>
+                </a:solidFill>
+              </a:rPr>
+              <a:t>vscode</a:t>
+            </a:r>
+            <a:r>
+              <a:rPr lang="ko-KR" altLang="en-US" b="1" dirty="0">
+                <a:solidFill>
+                  <a:srgbClr val="FF0000"/>
+                </a:solidFill>
+              </a:rPr>
+              <a:t>가 생김 </a:t>
+            </a:r>
+            <a:endParaRPr lang="en-US" altLang="ko-KR" b="1" dirty="0">
+              <a:solidFill>
+                <a:srgbClr val="FF0000"/>
+              </a:solidFill>
+            </a:endParaRPr>
+          </a:p>
+        </p:txBody>
+      </p:sp>
+      <p:pic>
+        <p:nvPicPr>
+          <p:cNvPr id="15" name="그림 14">
+            <a:extLst>
+              <a:ext uri="{FF2B5EF4-FFF2-40B4-BE49-F238E27FC236}">
+                <a16:creationId xmlns:a16="http://schemas.microsoft.com/office/drawing/2014/main" id="{B26C9F89-43C1-EC79-795C-01962F099521}"/>
+              </a:ext>
+            </a:extLst>
+          </p:cNvPr>
+          <p:cNvPicPr>
+            <a:picLocks noChangeAspect="1"/>
+          </p:cNvPicPr>
+          <p:nvPr/>
+        </p:nvPicPr>
+        <p:blipFill>
+          <a:blip r:embed="rId5"/>
+          <a:stretch>
+            <a:fillRect/>
+          </a:stretch>
+        </p:blipFill>
+        <p:spPr>
+          <a:xfrm>
+            <a:off x="5536901" y="3885169"/>
+            <a:ext cx="5405951" cy="768519"/>
+          </a:xfrm>
+          <a:prstGeom prst="rect">
+            <a:avLst/>
+          </a:prstGeom>
+        </p:spPr>
+      </p:pic>
+      <p:sp>
+        <p:nvSpPr>
+          <p:cNvPr id="16" name="TextBox 15">
+            <a:extLst>
+              <a:ext uri="{FF2B5EF4-FFF2-40B4-BE49-F238E27FC236}">
+                <a16:creationId xmlns:a16="http://schemas.microsoft.com/office/drawing/2014/main" id="{99178F4F-F1D4-F933-FEC8-9E097F66D25A}"/>
+              </a:ext>
+            </a:extLst>
+          </p:cNvPr>
+          <p:cNvSpPr txBox="1"/>
+          <p:nvPr/>
+        </p:nvSpPr>
+        <p:spPr>
+          <a:xfrm>
+            <a:off x="7305803" y="3800663"/>
+            <a:ext cx="4315212" cy="454292"/>
+          </a:xfrm>
+          <a:prstGeom prst="rect">
+            <a:avLst/>
+          </a:prstGeom>
+          <a:noFill/>
+        </p:spPr>
+        <p:txBody>
+          <a:bodyPr wrap="square" rtlCol="0">
+            <a:spAutoFit/>
+          </a:bodyPr>
+          <a:lstStyle/>
+          <a:p>
+            <a:pPr>
+              <a:lnSpc>
+                <a:spcPct val="150000"/>
+              </a:lnSpc>
+            </a:pPr>
+            <a:r>
+              <a:rPr lang="en-US" altLang="ko-KR" b="1" dirty="0">
+                <a:solidFill>
+                  <a:srgbClr val="FF0000"/>
+                </a:solidFill>
+              </a:rPr>
+              <a:t>4. </a:t>
+            </a:r>
+            <a:r>
+              <a:rPr lang="ko-KR" altLang="en-US" b="1" dirty="0">
+                <a:solidFill>
+                  <a:srgbClr val="FF0000"/>
+                </a:solidFill>
+              </a:rPr>
+              <a:t>오른쪽 하단바에서 </a:t>
+            </a:r>
+            <a:r>
+              <a:rPr lang="ko-KR" altLang="en-US" b="1" dirty="0" err="1">
+                <a:solidFill>
+                  <a:srgbClr val="FF0000"/>
+                </a:solidFill>
+              </a:rPr>
+              <a:t>포트랑</a:t>
+            </a:r>
+            <a:r>
+              <a:rPr lang="ko-KR" altLang="en-US" b="1" dirty="0">
+                <a:solidFill>
+                  <a:srgbClr val="FF0000"/>
+                </a:solidFill>
+              </a:rPr>
+              <a:t> 보드 선택</a:t>
+            </a:r>
+            <a:endParaRPr lang="en-US" altLang="ko-KR" b="1" dirty="0">
+              <a:solidFill>
+                <a:srgbClr val="FF0000"/>
+              </a:solidFill>
+            </a:endParaRPr>
+          </a:p>
+        </p:txBody>
+      </p:sp>
+      <p:sp>
+        <p:nvSpPr>
+          <p:cNvPr id="17" name="TextBox 16">
+            <a:extLst>
+              <a:ext uri="{FF2B5EF4-FFF2-40B4-BE49-F238E27FC236}">
+                <a16:creationId xmlns:a16="http://schemas.microsoft.com/office/drawing/2014/main" id="{46E97F4F-09F1-7C6B-7261-B23B897EA7E7}"/>
+              </a:ext>
+            </a:extLst>
+          </p:cNvPr>
+          <p:cNvSpPr txBox="1"/>
+          <p:nvPr/>
+        </p:nvSpPr>
+        <p:spPr>
+          <a:xfrm>
+            <a:off x="5143542" y="4998558"/>
+            <a:ext cx="2982955" cy="369332"/>
+          </a:xfrm>
+          <a:prstGeom prst="rect">
+            <a:avLst/>
+          </a:prstGeom>
+          <a:noFill/>
+        </p:spPr>
+        <p:txBody>
+          <a:bodyPr wrap="square" rtlCol="0">
+            <a:spAutoFit/>
+          </a:bodyPr>
+          <a:lstStyle/>
+          <a:p>
+            <a:r>
+              <a:rPr lang="ko-KR" altLang="en-US" b="1" dirty="0">
+                <a:solidFill>
+                  <a:srgbClr val="FF0000"/>
+                </a:solidFill>
+              </a:rPr>
+              <a:t>포트와 보드설정이 끝나면 </a:t>
+            </a:r>
+          </a:p>
+        </p:txBody>
+      </p:sp>
+      <p:pic>
+        <p:nvPicPr>
+          <p:cNvPr id="18" name="그림 17">
+            <a:extLst>
+              <a:ext uri="{FF2B5EF4-FFF2-40B4-BE49-F238E27FC236}">
+                <a16:creationId xmlns:a16="http://schemas.microsoft.com/office/drawing/2014/main" id="{8D22D5BB-350B-8DFB-ACBA-99E1BC4334EC}"/>
+              </a:ext>
+            </a:extLst>
+          </p:cNvPr>
+          <p:cNvPicPr>
+            <a:picLocks noChangeAspect="1"/>
+          </p:cNvPicPr>
+          <p:nvPr/>
+        </p:nvPicPr>
+        <p:blipFill>
+          <a:blip r:embed="rId6"/>
+          <a:stretch>
+            <a:fillRect/>
+          </a:stretch>
+        </p:blipFill>
+        <p:spPr>
+          <a:xfrm>
+            <a:off x="5143542" y="5317284"/>
+            <a:ext cx="4581525" cy="1295400"/>
+          </a:xfrm>
+          <a:prstGeom prst="rect">
+            <a:avLst/>
+          </a:prstGeom>
+        </p:spPr>
+      </p:pic>
+      <p:sp>
+        <p:nvSpPr>
+          <p:cNvPr id="19" name="TextBox 18">
+            <a:extLst>
+              <a:ext uri="{FF2B5EF4-FFF2-40B4-BE49-F238E27FC236}">
+                <a16:creationId xmlns:a16="http://schemas.microsoft.com/office/drawing/2014/main" id="{68B31930-D616-D895-5853-F3B438C929CF}"/>
+              </a:ext>
+            </a:extLst>
+          </p:cNvPr>
+          <p:cNvSpPr txBox="1"/>
+          <p:nvPr/>
+        </p:nvSpPr>
+        <p:spPr>
+          <a:xfrm>
+            <a:off x="7629567" y="5876391"/>
+            <a:ext cx="4191000" cy="646331"/>
+          </a:xfrm>
+          <a:prstGeom prst="rect">
+            <a:avLst/>
+          </a:prstGeom>
+          <a:noFill/>
+        </p:spPr>
+        <p:txBody>
+          <a:bodyPr wrap="square" rtlCol="0">
+            <a:spAutoFit/>
+          </a:bodyPr>
+          <a:lstStyle/>
+          <a:p>
+            <a:r>
+              <a:rPr lang="en-US" altLang="ko-KR" b="1" dirty="0">
+                <a:solidFill>
+                  <a:srgbClr val="FF0000"/>
+                </a:solidFill>
+              </a:rPr>
+              <a:t>.</a:t>
+            </a:r>
+            <a:r>
+              <a:rPr lang="en-US" altLang="ko-KR" b="1" dirty="0" err="1">
+                <a:solidFill>
+                  <a:srgbClr val="FF0000"/>
+                </a:solidFill>
+              </a:rPr>
+              <a:t>vscode</a:t>
+            </a:r>
+            <a:r>
+              <a:rPr lang="ko-KR" altLang="en-US" b="1" dirty="0">
+                <a:solidFill>
+                  <a:srgbClr val="FF0000"/>
+                </a:solidFill>
+              </a:rPr>
+              <a:t>폴더 하위에 </a:t>
+            </a:r>
+            <a:r>
+              <a:rPr lang="en-US" altLang="ko-KR" b="1" dirty="0" err="1">
+                <a:solidFill>
+                  <a:srgbClr val="FF0000"/>
+                </a:solidFill>
+              </a:rPr>
+              <a:t>json</a:t>
+            </a:r>
+            <a:r>
+              <a:rPr lang="en-US" altLang="ko-KR" b="1" dirty="0">
+                <a:solidFill>
+                  <a:srgbClr val="FF0000"/>
+                </a:solidFill>
+              </a:rPr>
+              <a:t> </a:t>
+            </a:r>
+            <a:r>
+              <a:rPr lang="ko-KR" altLang="en-US" b="1" dirty="0">
+                <a:solidFill>
+                  <a:srgbClr val="FF0000"/>
+                </a:solidFill>
+              </a:rPr>
+              <a:t>파일 두개가 생성됨</a:t>
+            </a:r>
+            <a:r>
+              <a:rPr lang="en-US" altLang="ko-KR" b="1" dirty="0">
+                <a:solidFill>
+                  <a:srgbClr val="FF0000"/>
+                </a:solidFill>
+              </a:rPr>
+              <a:t>.</a:t>
+            </a:r>
+            <a:r>
+              <a:rPr lang="ko-KR" altLang="en-US" b="1" dirty="0">
+                <a:solidFill>
+                  <a:srgbClr val="FF0000"/>
+                </a:solidFill>
+              </a:rPr>
+              <a:t> </a:t>
+            </a:r>
           </a:p>
         </p:txBody>
       </p:sp>
     </p:spTree>
     <p:extLst>
       <p:ext uri="{BB962C8B-B14F-4D97-AF65-F5344CB8AC3E}">
-        <p14:creationId xmlns:p14="http://schemas.microsoft.com/office/powerpoint/2010/main" val="2410391440"/>
+        <p14:creationId xmlns:p14="http://schemas.microsoft.com/office/powerpoint/2010/main" val="1554760214"/>
+      </p:ext>
+    </p:extLst>
+  </p:cSld>
+  <p:clrMapOvr>
+    <a:masterClrMapping/>
+  </p:clrMapOvr>
+</p:sld>
+</file>
+
+<file path=ppt/slides/slide7.xml><?xml version="1.0" encoding="utf-8"?>
+<p:sld xmlns:a="http://schemas.openxmlformats.org/drawingml/2006/main" xmlns:r="http://schemas.openxmlformats.org/officeDocument/2006/relationships" xmlns:p="http://schemas.openxmlformats.org/presentationml/2006/main">
+  <p:cSld>
+    <p:spTree>
+      <p:nvGrpSpPr>
+        <p:cNvPr id="1" name=""/>
+        <p:cNvGrpSpPr/>
+        <p:nvPr/>
+      </p:nvGrpSpPr>
+      <p:grpSpPr>
+        <a:xfrm>
+          <a:off x="0" y="0"/>
+          <a:ext cx="0" cy="0"/>
+          <a:chOff x="0" y="0"/>
+          <a:chExt cx="0" cy="0"/>
+        </a:xfrm>
+      </p:grpSpPr>
+      <p:sp>
+        <p:nvSpPr>
+          <p:cNvPr id="3" name="TextBox 2">
+            <a:extLst>
+              <a:ext uri="{FF2B5EF4-FFF2-40B4-BE49-F238E27FC236}">
+                <a16:creationId xmlns:a16="http://schemas.microsoft.com/office/drawing/2014/main" id="{86437281-E654-7B4C-2147-7DB64D797163}"/>
+              </a:ext>
+            </a:extLst>
+          </p:cNvPr>
+          <p:cNvSpPr txBox="1"/>
+          <p:nvPr/>
+        </p:nvSpPr>
+        <p:spPr>
+          <a:xfrm>
+            <a:off x="716692" y="741551"/>
+            <a:ext cx="11003691" cy="5909310"/>
+          </a:xfrm>
+          <a:prstGeom prst="rect">
+            <a:avLst/>
+          </a:prstGeom>
+          <a:solidFill>
+            <a:schemeClr val="tx1"/>
+          </a:solidFill>
+        </p:spPr>
+        <p:txBody>
+          <a:bodyPr wrap="square">
+            <a:spAutoFit/>
+          </a:bodyPr>
+          <a:lstStyle/>
+          <a:p>
+            <a:r>
+              <a:rPr lang="en-US" altLang="ko-KR" sz="1400" b="0" dirty="0">
+                <a:solidFill>
+                  <a:srgbClr val="CCCCCC"/>
+                </a:solidFill>
+                <a:effectLst/>
+                <a:latin typeface="Consolas" panose="020B0609020204030204" pitchFamily="49" charset="0"/>
+              </a:rPr>
+              <a:t>{</a:t>
+            </a:r>
+          </a:p>
+          <a:p>
+            <a:r>
+              <a:rPr lang="en-US" altLang="ko-KR" sz="1400" b="0" dirty="0">
+                <a:solidFill>
+                  <a:srgbClr val="CCCCCC"/>
+                </a:solidFill>
+                <a:effectLst/>
+                <a:latin typeface="Consolas" panose="020B0609020204030204" pitchFamily="49" charset="0"/>
+              </a:rPr>
+              <a:t>    </a:t>
+            </a:r>
+            <a:r>
+              <a:rPr lang="en-US" altLang="ko-KR" sz="1400" b="0" dirty="0">
+                <a:solidFill>
+                  <a:srgbClr val="9CDCFE"/>
+                </a:solidFill>
+                <a:effectLst/>
+                <a:latin typeface="Consolas" panose="020B0609020204030204" pitchFamily="49" charset="0"/>
+              </a:rPr>
+              <a:t>"</a:t>
+            </a:r>
+            <a:r>
+              <a:rPr lang="en-US" altLang="ko-KR" sz="1400" b="0" dirty="0" err="1">
+                <a:solidFill>
+                  <a:srgbClr val="9CDCFE"/>
+                </a:solidFill>
+                <a:effectLst/>
+                <a:latin typeface="Consolas" panose="020B0609020204030204" pitchFamily="49" charset="0"/>
+              </a:rPr>
+              <a:t>editor.fontSize</a:t>
+            </a:r>
+            <a:r>
+              <a:rPr lang="en-US" altLang="ko-KR" sz="1400" b="0" dirty="0">
+                <a:solidFill>
+                  <a:srgbClr val="9CDCFE"/>
+                </a:solidFill>
+                <a:effectLst/>
+                <a:latin typeface="Consolas" panose="020B0609020204030204" pitchFamily="49" charset="0"/>
+              </a:rPr>
+              <a:t>"</a:t>
+            </a:r>
+            <a:r>
+              <a:rPr lang="en-US" altLang="ko-KR" sz="1400" b="0" dirty="0">
+                <a:solidFill>
+                  <a:srgbClr val="CCCCCC"/>
+                </a:solidFill>
+                <a:effectLst/>
+                <a:latin typeface="Consolas" panose="020B0609020204030204" pitchFamily="49" charset="0"/>
+              </a:rPr>
+              <a:t>: </a:t>
+            </a:r>
+            <a:r>
+              <a:rPr lang="en-US" altLang="ko-KR" sz="1400" b="0" dirty="0">
+                <a:solidFill>
+                  <a:srgbClr val="B5CEA8"/>
+                </a:solidFill>
+                <a:effectLst/>
+                <a:latin typeface="Consolas" panose="020B0609020204030204" pitchFamily="49" charset="0"/>
+              </a:rPr>
+              <a:t>20</a:t>
+            </a:r>
+            <a:r>
+              <a:rPr lang="en-US" altLang="ko-KR" sz="1400" b="0" dirty="0">
+                <a:solidFill>
+                  <a:srgbClr val="CCCCCC"/>
+                </a:solidFill>
+                <a:effectLst/>
+                <a:latin typeface="Consolas" panose="020B0609020204030204" pitchFamily="49" charset="0"/>
+              </a:rPr>
+              <a:t>,</a:t>
+            </a:r>
+          </a:p>
+          <a:p>
+            <a:r>
+              <a:rPr lang="en-US" altLang="ko-KR" sz="1400" b="0" dirty="0">
+                <a:solidFill>
+                  <a:srgbClr val="CCCCCC"/>
+                </a:solidFill>
+                <a:effectLst/>
+                <a:latin typeface="Consolas" panose="020B0609020204030204" pitchFamily="49" charset="0"/>
+              </a:rPr>
+              <a:t>    </a:t>
+            </a:r>
+            <a:r>
+              <a:rPr lang="en-US" altLang="ko-KR" sz="1400" b="0" dirty="0">
+                <a:solidFill>
+                  <a:srgbClr val="9CDCFE"/>
+                </a:solidFill>
+                <a:effectLst/>
+                <a:latin typeface="Consolas" panose="020B0609020204030204" pitchFamily="49" charset="0"/>
+              </a:rPr>
+              <a:t>"[python]"</a:t>
+            </a:r>
+            <a:r>
+              <a:rPr lang="en-US" altLang="ko-KR" sz="1400" b="0" dirty="0">
+                <a:solidFill>
+                  <a:srgbClr val="CCCCCC"/>
+                </a:solidFill>
+                <a:effectLst/>
+                <a:latin typeface="Consolas" panose="020B0609020204030204" pitchFamily="49" charset="0"/>
+              </a:rPr>
+              <a:t>: {</a:t>
+            </a:r>
+          </a:p>
+          <a:p>
+            <a:r>
+              <a:rPr lang="en-US" altLang="ko-KR" sz="1400" b="0" dirty="0">
+                <a:solidFill>
+                  <a:srgbClr val="CCCCCC"/>
+                </a:solidFill>
+                <a:effectLst/>
+                <a:latin typeface="Consolas" panose="020B0609020204030204" pitchFamily="49" charset="0"/>
+              </a:rPr>
+              <a:t>        </a:t>
+            </a:r>
+            <a:r>
+              <a:rPr lang="en-US" altLang="ko-KR" sz="1400" b="0" dirty="0">
+                <a:solidFill>
+                  <a:srgbClr val="9CDCFE"/>
+                </a:solidFill>
+                <a:effectLst/>
+                <a:latin typeface="Consolas" panose="020B0609020204030204" pitchFamily="49" charset="0"/>
+              </a:rPr>
+              <a:t>"</a:t>
+            </a:r>
+            <a:r>
+              <a:rPr lang="en-US" altLang="ko-KR" sz="1400" b="0" dirty="0" err="1">
+                <a:solidFill>
+                  <a:srgbClr val="9CDCFE"/>
+                </a:solidFill>
+                <a:effectLst/>
+                <a:latin typeface="Consolas" panose="020B0609020204030204" pitchFamily="49" charset="0"/>
+              </a:rPr>
+              <a:t>editor.formatOnType</a:t>
+            </a:r>
+            <a:r>
+              <a:rPr lang="en-US" altLang="ko-KR" sz="1400" b="0" dirty="0">
+                <a:solidFill>
+                  <a:srgbClr val="9CDCFE"/>
+                </a:solidFill>
+                <a:effectLst/>
+                <a:latin typeface="Consolas" panose="020B0609020204030204" pitchFamily="49" charset="0"/>
+              </a:rPr>
+              <a:t>"</a:t>
+            </a:r>
+            <a:r>
+              <a:rPr lang="en-US" altLang="ko-KR" sz="1400" b="0" dirty="0">
+                <a:solidFill>
+                  <a:srgbClr val="CCCCCC"/>
+                </a:solidFill>
+                <a:effectLst/>
+                <a:latin typeface="Consolas" panose="020B0609020204030204" pitchFamily="49" charset="0"/>
+              </a:rPr>
+              <a:t>: </a:t>
+            </a:r>
+            <a:r>
+              <a:rPr lang="en-US" altLang="ko-KR" sz="1400" b="0" dirty="0">
+                <a:solidFill>
+                  <a:srgbClr val="569CD6"/>
+                </a:solidFill>
+                <a:effectLst/>
+                <a:latin typeface="Consolas" panose="020B0609020204030204" pitchFamily="49" charset="0"/>
+              </a:rPr>
+              <a:t>true</a:t>
+            </a:r>
+            <a:endParaRPr lang="en-US" altLang="ko-KR" sz="1400" b="0" dirty="0">
+              <a:solidFill>
+                <a:srgbClr val="CCCCCC"/>
+              </a:solidFill>
+              <a:effectLst/>
+              <a:latin typeface="Consolas" panose="020B0609020204030204" pitchFamily="49" charset="0"/>
+            </a:endParaRPr>
+          </a:p>
+          <a:p>
+            <a:r>
+              <a:rPr lang="en-US" altLang="ko-KR" sz="1400" b="0" dirty="0">
+                <a:solidFill>
+                  <a:srgbClr val="CCCCCC"/>
+                </a:solidFill>
+                <a:effectLst/>
+                <a:latin typeface="Consolas" panose="020B0609020204030204" pitchFamily="49" charset="0"/>
+              </a:rPr>
+              <a:t>    },</a:t>
+            </a:r>
+          </a:p>
+          <a:p>
+            <a:r>
+              <a:rPr lang="en-US" altLang="ko-KR" sz="1400" b="0" dirty="0">
+                <a:solidFill>
+                  <a:srgbClr val="CCCCCC"/>
+                </a:solidFill>
+                <a:effectLst/>
+                <a:latin typeface="Consolas" panose="020B0609020204030204" pitchFamily="49" charset="0"/>
+              </a:rPr>
+              <a:t>    </a:t>
+            </a:r>
+            <a:r>
+              <a:rPr lang="en-US" altLang="ko-KR" sz="1400" b="0" dirty="0">
+                <a:solidFill>
+                  <a:srgbClr val="9CDCFE"/>
+                </a:solidFill>
+                <a:effectLst/>
+                <a:latin typeface="Consolas" panose="020B0609020204030204" pitchFamily="49" charset="0"/>
+              </a:rPr>
+              <a:t>"</a:t>
+            </a:r>
+            <a:r>
+              <a:rPr lang="en-US" altLang="ko-KR" sz="1400" b="0" dirty="0" err="1">
+                <a:solidFill>
+                  <a:srgbClr val="9CDCFE"/>
+                </a:solidFill>
+                <a:effectLst/>
+                <a:latin typeface="Consolas" panose="020B0609020204030204" pitchFamily="49" charset="0"/>
+              </a:rPr>
+              <a:t>cmake.configureOnOpen</a:t>
+            </a:r>
+            <a:r>
+              <a:rPr lang="en-US" altLang="ko-KR" sz="1400" b="0" dirty="0">
+                <a:solidFill>
+                  <a:srgbClr val="9CDCFE"/>
+                </a:solidFill>
+                <a:effectLst/>
+                <a:latin typeface="Consolas" panose="020B0609020204030204" pitchFamily="49" charset="0"/>
+              </a:rPr>
+              <a:t>"</a:t>
+            </a:r>
+            <a:r>
+              <a:rPr lang="en-US" altLang="ko-KR" sz="1400" b="0" dirty="0">
+                <a:solidFill>
+                  <a:srgbClr val="CCCCCC"/>
+                </a:solidFill>
+                <a:effectLst/>
+                <a:latin typeface="Consolas" panose="020B0609020204030204" pitchFamily="49" charset="0"/>
+              </a:rPr>
+              <a:t>: </a:t>
+            </a:r>
+            <a:r>
+              <a:rPr lang="en-US" altLang="ko-KR" sz="1400" b="0" dirty="0">
+                <a:solidFill>
+                  <a:srgbClr val="569CD6"/>
+                </a:solidFill>
+                <a:effectLst/>
+                <a:latin typeface="Consolas" panose="020B0609020204030204" pitchFamily="49" charset="0"/>
+              </a:rPr>
+              <a:t>true</a:t>
+            </a:r>
+            <a:r>
+              <a:rPr lang="en-US" altLang="ko-KR" sz="1400" b="0" dirty="0">
+                <a:solidFill>
+                  <a:srgbClr val="CCCCCC"/>
+                </a:solidFill>
+                <a:effectLst/>
+                <a:latin typeface="Consolas" panose="020B0609020204030204" pitchFamily="49" charset="0"/>
+              </a:rPr>
+              <a:t>,</a:t>
+            </a:r>
+          </a:p>
+          <a:p>
+            <a:r>
+              <a:rPr lang="en-US" altLang="ko-KR" sz="1400" b="0" dirty="0">
+                <a:solidFill>
+                  <a:srgbClr val="CCCCCC"/>
+                </a:solidFill>
+                <a:effectLst/>
+                <a:latin typeface="Consolas" panose="020B0609020204030204" pitchFamily="49" charset="0"/>
+              </a:rPr>
+              <a:t>    </a:t>
+            </a:r>
+            <a:r>
+              <a:rPr lang="en-US" altLang="ko-KR" sz="1400" b="0" dirty="0">
+                <a:solidFill>
+                  <a:srgbClr val="9CDCFE"/>
+                </a:solidFill>
+                <a:effectLst/>
+                <a:latin typeface="Consolas" panose="020B0609020204030204" pitchFamily="49" charset="0"/>
+              </a:rPr>
+              <a:t>"</a:t>
+            </a:r>
+            <a:r>
+              <a:rPr lang="en-US" altLang="ko-KR" sz="1400" b="0" dirty="0" err="1">
+                <a:solidFill>
+                  <a:srgbClr val="9CDCFE"/>
+                </a:solidFill>
+                <a:effectLst/>
+                <a:latin typeface="Consolas" panose="020B0609020204030204" pitchFamily="49" charset="0"/>
+              </a:rPr>
+              <a:t>terminal.integrated.defaultProfile.windows</a:t>
+            </a:r>
+            <a:r>
+              <a:rPr lang="en-US" altLang="ko-KR" sz="1400" b="0" dirty="0">
+                <a:solidFill>
+                  <a:srgbClr val="9CDCFE"/>
+                </a:solidFill>
+                <a:effectLst/>
+                <a:latin typeface="Consolas" panose="020B0609020204030204" pitchFamily="49" charset="0"/>
+              </a:rPr>
+              <a:t>"</a:t>
+            </a:r>
+            <a:r>
+              <a:rPr lang="en-US" altLang="ko-KR" sz="1400" b="0" dirty="0">
+                <a:solidFill>
+                  <a:srgbClr val="CCCCCC"/>
+                </a:solidFill>
+                <a:effectLst/>
+                <a:latin typeface="Consolas" panose="020B0609020204030204" pitchFamily="49" charset="0"/>
+              </a:rPr>
+              <a:t>: </a:t>
+            </a:r>
+            <a:r>
+              <a:rPr lang="en-US" altLang="ko-KR" sz="1400" b="0" dirty="0">
+                <a:solidFill>
+                  <a:srgbClr val="CE9178"/>
+                </a:solidFill>
+                <a:effectLst/>
+                <a:latin typeface="Consolas" panose="020B0609020204030204" pitchFamily="49" charset="0"/>
+              </a:rPr>
+              <a:t>"Command Prompt"</a:t>
+            </a:r>
+            <a:r>
+              <a:rPr lang="en-US" altLang="ko-KR" sz="1400" b="0" dirty="0">
+                <a:solidFill>
+                  <a:srgbClr val="CCCCCC"/>
+                </a:solidFill>
+                <a:effectLst/>
+                <a:latin typeface="Consolas" panose="020B0609020204030204" pitchFamily="49" charset="0"/>
+              </a:rPr>
+              <a:t>,</a:t>
+            </a:r>
+          </a:p>
+          <a:p>
+            <a:r>
+              <a:rPr lang="en-US" altLang="ko-KR" sz="1400" b="0" dirty="0">
+                <a:solidFill>
+                  <a:srgbClr val="CCCCCC"/>
+                </a:solidFill>
+                <a:effectLst/>
+                <a:latin typeface="Consolas" panose="020B0609020204030204" pitchFamily="49" charset="0"/>
+              </a:rPr>
+              <a:t>    </a:t>
+            </a:r>
+            <a:r>
+              <a:rPr lang="en-US" altLang="ko-KR" sz="1400" b="0" dirty="0">
+                <a:solidFill>
+                  <a:srgbClr val="9CDCFE"/>
+                </a:solidFill>
+                <a:effectLst/>
+                <a:latin typeface="Consolas" panose="020B0609020204030204" pitchFamily="49" charset="0"/>
+              </a:rPr>
+              <a:t>"</a:t>
+            </a:r>
+            <a:r>
+              <a:rPr lang="en-US" altLang="ko-KR" sz="1400" b="0" dirty="0" err="1">
+                <a:solidFill>
+                  <a:srgbClr val="9CDCFE"/>
+                </a:solidFill>
+                <a:effectLst/>
+                <a:latin typeface="Consolas" panose="020B0609020204030204" pitchFamily="49" charset="0"/>
+              </a:rPr>
+              <a:t>files.exclude</a:t>
+            </a:r>
+            <a:r>
+              <a:rPr lang="en-US" altLang="ko-KR" sz="1400" b="0" dirty="0">
+                <a:solidFill>
+                  <a:srgbClr val="9CDCFE"/>
+                </a:solidFill>
+                <a:effectLst/>
+                <a:latin typeface="Consolas" panose="020B0609020204030204" pitchFamily="49" charset="0"/>
+              </a:rPr>
+              <a:t>"</a:t>
+            </a:r>
+            <a:r>
+              <a:rPr lang="en-US" altLang="ko-KR" sz="1400" b="0" dirty="0">
+                <a:solidFill>
+                  <a:srgbClr val="CCCCCC"/>
+                </a:solidFill>
+                <a:effectLst/>
+                <a:latin typeface="Consolas" panose="020B0609020204030204" pitchFamily="49" charset="0"/>
+              </a:rPr>
+              <a:t>: {</a:t>
+            </a:r>
+          </a:p>
+          <a:p>
+            <a:r>
+              <a:rPr lang="en-US" altLang="ko-KR" sz="1400" b="0" dirty="0">
+                <a:solidFill>
+                  <a:srgbClr val="CCCCCC"/>
+                </a:solidFill>
+                <a:effectLst/>
+                <a:latin typeface="Consolas" panose="020B0609020204030204" pitchFamily="49" charset="0"/>
+              </a:rPr>
+              <a:t>        </a:t>
+            </a:r>
+            <a:r>
+              <a:rPr lang="en-US" altLang="ko-KR" sz="1400" b="0" dirty="0">
+                <a:solidFill>
+                  <a:srgbClr val="9CDCFE"/>
+                </a:solidFill>
+                <a:effectLst/>
+                <a:latin typeface="Consolas" panose="020B0609020204030204" pitchFamily="49" charset="0"/>
+              </a:rPr>
+              <a:t>"**/.git"</a:t>
+            </a:r>
+            <a:r>
+              <a:rPr lang="en-US" altLang="ko-KR" sz="1400" b="0" dirty="0">
+                <a:solidFill>
+                  <a:srgbClr val="CCCCCC"/>
+                </a:solidFill>
+                <a:effectLst/>
+                <a:latin typeface="Consolas" panose="020B0609020204030204" pitchFamily="49" charset="0"/>
+              </a:rPr>
+              <a:t>: </a:t>
+            </a:r>
+            <a:r>
+              <a:rPr lang="en-US" altLang="ko-KR" sz="1400" b="0" dirty="0">
+                <a:solidFill>
+                  <a:srgbClr val="569CD6"/>
+                </a:solidFill>
+                <a:effectLst/>
+                <a:latin typeface="Consolas" panose="020B0609020204030204" pitchFamily="49" charset="0"/>
+              </a:rPr>
+              <a:t>false</a:t>
+            </a:r>
+            <a:endParaRPr lang="en-US" altLang="ko-KR" sz="1400" b="0" dirty="0">
+              <a:solidFill>
+                <a:srgbClr val="CCCCCC"/>
+              </a:solidFill>
+              <a:effectLst/>
+              <a:latin typeface="Consolas" panose="020B0609020204030204" pitchFamily="49" charset="0"/>
+            </a:endParaRPr>
+          </a:p>
+          <a:p>
+            <a:r>
+              <a:rPr lang="en-US" altLang="ko-KR" sz="1400" b="0" dirty="0">
+                <a:solidFill>
+                  <a:srgbClr val="CCCCCC"/>
+                </a:solidFill>
+                <a:effectLst/>
+                <a:latin typeface="Consolas" panose="020B0609020204030204" pitchFamily="49" charset="0"/>
+              </a:rPr>
+              <a:t>    },</a:t>
+            </a:r>
+          </a:p>
+          <a:p>
+            <a:r>
+              <a:rPr lang="en-US" altLang="ko-KR" sz="1400" b="0" dirty="0">
+                <a:solidFill>
+                  <a:srgbClr val="CCCCCC"/>
+                </a:solidFill>
+                <a:effectLst/>
+                <a:latin typeface="Consolas" panose="020B0609020204030204" pitchFamily="49" charset="0"/>
+              </a:rPr>
+              <a:t>    </a:t>
+            </a:r>
+            <a:r>
+              <a:rPr lang="en-US" altLang="ko-KR" sz="1400" b="0" dirty="0">
+                <a:solidFill>
+                  <a:srgbClr val="9CDCFE"/>
+                </a:solidFill>
+                <a:effectLst/>
+                <a:latin typeface="Consolas" panose="020B0609020204030204" pitchFamily="49" charset="0"/>
+              </a:rPr>
+              <a:t>"</a:t>
+            </a:r>
+            <a:r>
+              <a:rPr lang="en-US" altLang="ko-KR" sz="1400" b="0" dirty="0" err="1">
+                <a:solidFill>
+                  <a:srgbClr val="9CDCFE"/>
+                </a:solidFill>
+                <a:effectLst/>
+                <a:latin typeface="Consolas" panose="020B0609020204030204" pitchFamily="49" charset="0"/>
+              </a:rPr>
+              <a:t>files.autoSave</a:t>
+            </a:r>
+            <a:r>
+              <a:rPr lang="en-US" altLang="ko-KR" sz="1400" b="0" dirty="0">
+                <a:solidFill>
+                  <a:srgbClr val="9CDCFE"/>
+                </a:solidFill>
+                <a:effectLst/>
+                <a:latin typeface="Consolas" panose="020B0609020204030204" pitchFamily="49" charset="0"/>
+              </a:rPr>
+              <a:t>"</a:t>
+            </a:r>
+            <a:r>
+              <a:rPr lang="en-US" altLang="ko-KR" sz="1400" b="0" dirty="0">
+                <a:solidFill>
+                  <a:srgbClr val="CCCCCC"/>
+                </a:solidFill>
+                <a:effectLst/>
+                <a:latin typeface="Consolas" panose="020B0609020204030204" pitchFamily="49" charset="0"/>
+              </a:rPr>
+              <a:t>: </a:t>
+            </a:r>
+            <a:r>
+              <a:rPr lang="en-US" altLang="ko-KR" sz="1400" b="0" dirty="0">
+                <a:solidFill>
+                  <a:srgbClr val="CE9178"/>
+                </a:solidFill>
+                <a:effectLst/>
+                <a:latin typeface="Consolas" panose="020B0609020204030204" pitchFamily="49" charset="0"/>
+              </a:rPr>
+              <a:t>"</a:t>
+            </a:r>
+            <a:r>
+              <a:rPr lang="en-US" altLang="ko-KR" sz="1400" b="0" dirty="0" err="1">
+                <a:solidFill>
+                  <a:srgbClr val="CE9178"/>
+                </a:solidFill>
+                <a:effectLst/>
+                <a:latin typeface="Consolas" panose="020B0609020204030204" pitchFamily="49" charset="0"/>
+              </a:rPr>
+              <a:t>afterDelay</a:t>
+            </a:r>
+            <a:r>
+              <a:rPr lang="en-US" altLang="ko-KR" sz="1400" b="0" dirty="0">
+                <a:solidFill>
+                  <a:srgbClr val="CE9178"/>
+                </a:solidFill>
+                <a:effectLst/>
+                <a:latin typeface="Consolas" panose="020B0609020204030204" pitchFamily="49" charset="0"/>
+              </a:rPr>
+              <a:t>"</a:t>
+            </a:r>
+            <a:r>
+              <a:rPr lang="en-US" altLang="ko-KR" sz="1400" b="0" dirty="0">
+                <a:solidFill>
+                  <a:srgbClr val="CCCCCC"/>
+                </a:solidFill>
+                <a:effectLst/>
+                <a:latin typeface="Consolas" panose="020B0609020204030204" pitchFamily="49" charset="0"/>
+              </a:rPr>
+              <a:t>,</a:t>
+            </a:r>
+          </a:p>
+          <a:p>
+            <a:r>
+              <a:rPr lang="en-US" altLang="ko-KR" sz="1400" b="0" dirty="0">
+                <a:solidFill>
+                  <a:srgbClr val="CCCCCC"/>
+                </a:solidFill>
+                <a:effectLst/>
+                <a:latin typeface="Consolas" panose="020B0609020204030204" pitchFamily="49" charset="0"/>
+              </a:rPr>
+              <a:t>    </a:t>
+            </a:r>
+            <a:r>
+              <a:rPr lang="en-US" altLang="ko-KR" sz="1400" b="0" dirty="0">
+                <a:solidFill>
+                  <a:srgbClr val="9CDCFE"/>
+                </a:solidFill>
+                <a:effectLst/>
+                <a:latin typeface="Consolas" panose="020B0609020204030204" pitchFamily="49" charset="0"/>
+              </a:rPr>
+              <a:t>"</a:t>
+            </a:r>
+            <a:r>
+              <a:rPr lang="en-US" altLang="ko-KR" sz="1400" b="0" dirty="0" err="1">
+                <a:solidFill>
+                  <a:srgbClr val="9CDCFE"/>
+                </a:solidFill>
+                <a:effectLst/>
+                <a:latin typeface="Consolas" panose="020B0609020204030204" pitchFamily="49" charset="0"/>
+              </a:rPr>
+              <a:t>arduino.useArduinoCli</a:t>
+            </a:r>
+            <a:r>
+              <a:rPr lang="en-US" altLang="ko-KR" sz="1400" b="0" dirty="0">
+                <a:solidFill>
+                  <a:srgbClr val="9CDCFE"/>
+                </a:solidFill>
+                <a:effectLst/>
+                <a:latin typeface="Consolas" panose="020B0609020204030204" pitchFamily="49" charset="0"/>
+              </a:rPr>
+              <a:t>"</a:t>
+            </a:r>
+            <a:r>
+              <a:rPr lang="en-US" altLang="ko-KR" sz="1400" b="0" dirty="0">
+                <a:solidFill>
+                  <a:srgbClr val="CCCCCC"/>
+                </a:solidFill>
+                <a:effectLst/>
+                <a:latin typeface="Consolas" panose="020B0609020204030204" pitchFamily="49" charset="0"/>
+              </a:rPr>
+              <a:t>: </a:t>
+            </a:r>
+            <a:r>
+              <a:rPr lang="en-US" altLang="ko-KR" sz="1400" b="0" dirty="0">
+                <a:solidFill>
+                  <a:srgbClr val="569CD6"/>
+                </a:solidFill>
+                <a:effectLst/>
+                <a:latin typeface="Consolas" panose="020B0609020204030204" pitchFamily="49" charset="0"/>
+              </a:rPr>
+              <a:t>true</a:t>
+            </a:r>
+            <a:r>
+              <a:rPr lang="en-US" altLang="ko-KR" sz="1400" b="0" dirty="0">
+                <a:solidFill>
+                  <a:srgbClr val="CCCCCC"/>
+                </a:solidFill>
+                <a:effectLst/>
+                <a:latin typeface="Consolas" panose="020B0609020204030204" pitchFamily="49" charset="0"/>
+              </a:rPr>
+              <a:t>,</a:t>
+            </a:r>
+          </a:p>
+          <a:p>
+            <a:r>
+              <a:rPr lang="en-US" altLang="ko-KR" sz="1400" b="0" dirty="0">
+                <a:solidFill>
+                  <a:srgbClr val="CCCCCC"/>
+                </a:solidFill>
+                <a:effectLst/>
+                <a:latin typeface="Consolas" panose="020B0609020204030204" pitchFamily="49" charset="0"/>
+              </a:rPr>
+              <a:t>    </a:t>
+            </a:r>
+            <a:r>
+              <a:rPr lang="en-US" altLang="ko-KR" sz="1400" b="0" dirty="0">
+                <a:solidFill>
+                  <a:srgbClr val="9CDCFE"/>
+                </a:solidFill>
+                <a:effectLst/>
+                <a:latin typeface="Consolas" panose="020B0609020204030204" pitchFamily="49" charset="0"/>
+              </a:rPr>
+              <a:t>"</a:t>
+            </a:r>
+            <a:r>
+              <a:rPr lang="en-US" altLang="ko-KR" sz="1400" b="0" dirty="0" err="1">
+                <a:solidFill>
+                  <a:srgbClr val="9CDCFE"/>
+                </a:solidFill>
+                <a:effectLst/>
+                <a:latin typeface="Consolas" panose="020B0609020204030204" pitchFamily="49" charset="0"/>
+              </a:rPr>
+              <a:t>arduino.ignoreBoards</a:t>
+            </a:r>
+            <a:r>
+              <a:rPr lang="en-US" altLang="ko-KR" sz="1400" b="0" dirty="0">
+                <a:solidFill>
+                  <a:srgbClr val="9CDCFE"/>
+                </a:solidFill>
+                <a:effectLst/>
+                <a:latin typeface="Consolas" panose="020B0609020204030204" pitchFamily="49" charset="0"/>
+              </a:rPr>
+              <a:t>"</a:t>
+            </a:r>
+            <a:r>
+              <a:rPr lang="en-US" altLang="ko-KR" sz="1400" b="0" dirty="0">
+                <a:solidFill>
+                  <a:srgbClr val="CCCCCC"/>
+                </a:solidFill>
+                <a:effectLst/>
+                <a:latin typeface="Consolas" panose="020B0609020204030204" pitchFamily="49" charset="0"/>
+              </a:rPr>
+              <a:t>: [</a:t>
+            </a:r>
+          </a:p>
+          <a:p>
+            <a:r>
+              <a:rPr lang="en-US" altLang="ko-KR" sz="1400" b="0" dirty="0">
+                <a:solidFill>
+                  <a:srgbClr val="CCCCCC"/>
+                </a:solidFill>
+                <a:effectLst/>
+                <a:latin typeface="Consolas" panose="020B0609020204030204" pitchFamily="49" charset="0"/>
+              </a:rPr>
+              <a:t>        </a:t>
+            </a:r>
+          </a:p>
+          <a:p>
+            <a:r>
+              <a:rPr lang="en-US" altLang="ko-KR" sz="1400" b="0" dirty="0">
+                <a:solidFill>
+                  <a:srgbClr val="CCCCCC"/>
+                </a:solidFill>
+                <a:effectLst/>
+                <a:latin typeface="Consolas" panose="020B0609020204030204" pitchFamily="49" charset="0"/>
+              </a:rPr>
+              <a:t>    ],</a:t>
+            </a:r>
+          </a:p>
+          <a:p>
+            <a:r>
+              <a:rPr lang="en-US" altLang="ko-KR" sz="1400" b="0" dirty="0">
+                <a:solidFill>
+                  <a:srgbClr val="CCCCCC"/>
+                </a:solidFill>
+                <a:effectLst/>
+                <a:latin typeface="Consolas" panose="020B0609020204030204" pitchFamily="49" charset="0"/>
+              </a:rPr>
+              <a:t>    </a:t>
+            </a:r>
+            <a:r>
+              <a:rPr lang="en-US" altLang="ko-KR" sz="1400" b="0" dirty="0">
+                <a:solidFill>
+                  <a:srgbClr val="9CDCFE"/>
+                </a:solidFill>
+                <a:effectLst/>
+                <a:latin typeface="Consolas" panose="020B0609020204030204" pitchFamily="49" charset="0"/>
+              </a:rPr>
+              <a:t>"</a:t>
+            </a:r>
+            <a:r>
+              <a:rPr lang="en-US" altLang="ko-KR" sz="1400" b="0" dirty="0" err="1">
+                <a:solidFill>
+                  <a:srgbClr val="9CDCFE"/>
+                </a:solidFill>
+                <a:effectLst/>
+                <a:latin typeface="Consolas" panose="020B0609020204030204" pitchFamily="49" charset="0"/>
+              </a:rPr>
+              <a:t>arduino.logLevel</a:t>
+            </a:r>
+            <a:r>
+              <a:rPr lang="en-US" altLang="ko-KR" sz="1400" b="0" dirty="0">
+                <a:solidFill>
+                  <a:srgbClr val="9CDCFE"/>
+                </a:solidFill>
+                <a:effectLst/>
+                <a:latin typeface="Consolas" panose="020B0609020204030204" pitchFamily="49" charset="0"/>
+              </a:rPr>
+              <a:t>"</a:t>
+            </a:r>
+            <a:r>
+              <a:rPr lang="en-US" altLang="ko-KR" sz="1400" b="0" dirty="0">
+                <a:solidFill>
+                  <a:srgbClr val="CCCCCC"/>
+                </a:solidFill>
+                <a:effectLst/>
+                <a:latin typeface="Consolas" panose="020B0609020204030204" pitchFamily="49" charset="0"/>
+              </a:rPr>
+              <a:t>: </a:t>
+            </a:r>
+            <a:r>
+              <a:rPr lang="en-US" altLang="ko-KR" sz="1400" b="0" dirty="0">
+                <a:solidFill>
+                  <a:srgbClr val="CE9178"/>
+                </a:solidFill>
+                <a:effectLst/>
+                <a:latin typeface="Consolas" panose="020B0609020204030204" pitchFamily="49" charset="0"/>
+              </a:rPr>
+              <a:t>"info"</a:t>
+            </a:r>
+            <a:r>
+              <a:rPr lang="en-US" altLang="ko-KR" sz="1400" b="0" dirty="0">
+                <a:solidFill>
+                  <a:srgbClr val="CCCCCC"/>
+                </a:solidFill>
+                <a:effectLst/>
+                <a:latin typeface="Consolas" panose="020B0609020204030204" pitchFamily="49" charset="0"/>
+              </a:rPr>
+              <a:t>,</a:t>
+            </a:r>
+          </a:p>
+          <a:p>
+            <a:r>
+              <a:rPr lang="en-US" altLang="ko-KR" sz="1400" b="0" dirty="0">
+                <a:solidFill>
+                  <a:srgbClr val="CCCCCC"/>
+                </a:solidFill>
+                <a:effectLst/>
+                <a:latin typeface="Consolas" panose="020B0609020204030204" pitchFamily="49" charset="0"/>
+              </a:rPr>
+              <a:t>    </a:t>
+            </a:r>
+            <a:r>
+              <a:rPr lang="en-US" altLang="ko-KR" sz="1400" b="0" dirty="0">
+                <a:solidFill>
+                  <a:srgbClr val="9CDCFE"/>
+                </a:solidFill>
+                <a:effectLst/>
+                <a:latin typeface="Consolas" panose="020B0609020204030204" pitchFamily="49" charset="0"/>
+              </a:rPr>
+              <a:t>"</a:t>
+            </a:r>
+            <a:r>
+              <a:rPr lang="en-US" altLang="ko-KR" sz="1400" b="0" dirty="0" err="1">
+                <a:solidFill>
+                  <a:srgbClr val="9CDCFE"/>
+                </a:solidFill>
+                <a:effectLst/>
+                <a:latin typeface="Consolas" panose="020B0609020204030204" pitchFamily="49" charset="0"/>
+              </a:rPr>
+              <a:t>arduino.allowPDEFiletype</a:t>
+            </a:r>
+            <a:r>
+              <a:rPr lang="en-US" altLang="ko-KR" sz="1400" b="0" dirty="0">
+                <a:solidFill>
+                  <a:srgbClr val="9CDCFE"/>
+                </a:solidFill>
+                <a:effectLst/>
+                <a:latin typeface="Consolas" panose="020B0609020204030204" pitchFamily="49" charset="0"/>
+              </a:rPr>
+              <a:t>"</a:t>
+            </a:r>
+            <a:r>
+              <a:rPr lang="en-US" altLang="ko-KR" sz="1400" b="0" dirty="0">
+                <a:solidFill>
+                  <a:srgbClr val="CCCCCC"/>
+                </a:solidFill>
+                <a:effectLst/>
+                <a:latin typeface="Consolas" panose="020B0609020204030204" pitchFamily="49" charset="0"/>
+              </a:rPr>
+              <a:t>: </a:t>
+            </a:r>
+            <a:r>
+              <a:rPr lang="en-US" altLang="ko-KR" sz="1400" b="0" dirty="0">
+                <a:solidFill>
+                  <a:srgbClr val="569CD6"/>
+                </a:solidFill>
+                <a:effectLst/>
+                <a:latin typeface="Consolas" panose="020B0609020204030204" pitchFamily="49" charset="0"/>
+              </a:rPr>
+              <a:t>false</a:t>
+            </a:r>
+            <a:r>
+              <a:rPr lang="en-US" altLang="ko-KR" sz="1400" b="0" dirty="0">
+                <a:solidFill>
+                  <a:srgbClr val="CCCCCC"/>
+                </a:solidFill>
+                <a:effectLst/>
+                <a:latin typeface="Consolas" panose="020B0609020204030204" pitchFamily="49" charset="0"/>
+              </a:rPr>
+              <a:t>, </a:t>
+            </a:r>
+          </a:p>
+          <a:p>
+            <a:r>
+              <a:rPr lang="en-US" altLang="ko-KR" sz="1400" b="0" dirty="0">
+                <a:solidFill>
+                  <a:srgbClr val="CCCCCC"/>
+                </a:solidFill>
+                <a:effectLst/>
+                <a:latin typeface="Consolas" panose="020B0609020204030204" pitchFamily="49" charset="0"/>
+              </a:rPr>
+              <a:t>    </a:t>
+            </a:r>
+            <a:r>
+              <a:rPr lang="en-US" altLang="ko-KR" sz="1400" b="0" dirty="0">
+                <a:solidFill>
+                  <a:srgbClr val="9CDCFE"/>
+                </a:solidFill>
+                <a:effectLst/>
+                <a:latin typeface="Consolas" panose="020B0609020204030204" pitchFamily="49" charset="0"/>
+              </a:rPr>
+              <a:t>"</a:t>
+            </a:r>
+            <a:r>
+              <a:rPr lang="en-US" altLang="ko-KR" sz="1400" b="0" dirty="0" err="1">
+                <a:solidFill>
+                  <a:srgbClr val="9CDCFE"/>
+                </a:solidFill>
+                <a:effectLst/>
+                <a:latin typeface="Consolas" panose="020B0609020204030204" pitchFamily="49" charset="0"/>
+              </a:rPr>
+              <a:t>arduino.enableUSBDetection</a:t>
+            </a:r>
+            <a:r>
+              <a:rPr lang="en-US" altLang="ko-KR" sz="1400" b="0" dirty="0">
+                <a:solidFill>
+                  <a:srgbClr val="9CDCFE"/>
+                </a:solidFill>
+                <a:effectLst/>
+                <a:latin typeface="Consolas" panose="020B0609020204030204" pitchFamily="49" charset="0"/>
+              </a:rPr>
+              <a:t>"</a:t>
+            </a:r>
+            <a:r>
+              <a:rPr lang="en-US" altLang="ko-KR" sz="1400" b="0" dirty="0">
+                <a:solidFill>
+                  <a:srgbClr val="CCCCCC"/>
+                </a:solidFill>
+                <a:effectLst/>
+                <a:latin typeface="Consolas" panose="020B0609020204030204" pitchFamily="49" charset="0"/>
+              </a:rPr>
+              <a:t>: </a:t>
+            </a:r>
+            <a:r>
+              <a:rPr lang="en-US" altLang="ko-KR" sz="1400" b="0" dirty="0">
+                <a:solidFill>
+                  <a:srgbClr val="569CD6"/>
+                </a:solidFill>
+                <a:effectLst/>
+                <a:latin typeface="Consolas" panose="020B0609020204030204" pitchFamily="49" charset="0"/>
+              </a:rPr>
+              <a:t>true</a:t>
+            </a:r>
+            <a:r>
+              <a:rPr lang="en-US" altLang="ko-KR" sz="1400" b="0" dirty="0">
+                <a:solidFill>
+                  <a:srgbClr val="CCCCCC"/>
+                </a:solidFill>
+                <a:effectLst/>
+                <a:latin typeface="Consolas" panose="020B0609020204030204" pitchFamily="49" charset="0"/>
+              </a:rPr>
+              <a:t>,</a:t>
+            </a:r>
+          </a:p>
+          <a:p>
+            <a:r>
+              <a:rPr lang="en-US" altLang="ko-KR" sz="1400" b="0" dirty="0">
+                <a:solidFill>
+                  <a:srgbClr val="CCCCCC"/>
+                </a:solidFill>
+                <a:effectLst/>
+                <a:latin typeface="Consolas" panose="020B0609020204030204" pitchFamily="49" charset="0"/>
+              </a:rPr>
+              <a:t>    </a:t>
+            </a:r>
+            <a:r>
+              <a:rPr lang="en-US" altLang="ko-KR" sz="1400" b="0" dirty="0">
+                <a:solidFill>
+                  <a:srgbClr val="9CDCFE"/>
+                </a:solidFill>
+                <a:effectLst/>
+                <a:latin typeface="Consolas" panose="020B0609020204030204" pitchFamily="49" charset="0"/>
+              </a:rPr>
+              <a:t>"</a:t>
+            </a:r>
+            <a:r>
+              <a:rPr lang="en-US" altLang="ko-KR" sz="1400" b="0" dirty="0" err="1">
+                <a:solidFill>
+                  <a:srgbClr val="9CDCFE"/>
+                </a:solidFill>
+                <a:effectLst/>
+                <a:latin typeface="Consolas" panose="020B0609020204030204" pitchFamily="49" charset="0"/>
+              </a:rPr>
+              <a:t>arduino.disableTestingOpen</a:t>
+            </a:r>
+            <a:r>
+              <a:rPr lang="en-US" altLang="ko-KR" sz="1400" b="0" dirty="0">
+                <a:solidFill>
+                  <a:srgbClr val="9CDCFE"/>
+                </a:solidFill>
+                <a:effectLst/>
+                <a:latin typeface="Consolas" panose="020B0609020204030204" pitchFamily="49" charset="0"/>
+              </a:rPr>
+              <a:t>"</a:t>
+            </a:r>
+            <a:r>
+              <a:rPr lang="en-US" altLang="ko-KR" sz="1400" b="0" dirty="0">
+                <a:solidFill>
+                  <a:srgbClr val="CCCCCC"/>
+                </a:solidFill>
+                <a:effectLst/>
+                <a:latin typeface="Consolas" panose="020B0609020204030204" pitchFamily="49" charset="0"/>
+              </a:rPr>
+              <a:t>: </a:t>
+            </a:r>
+            <a:r>
+              <a:rPr lang="en-US" altLang="ko-KR" sz="1400" b="0" dirty="0">
+                <a:solidFill>
+                  <a:srgbClr val="569CD6"/>
+                </a:solidFill>
+                <a:effectLst/>
+                <a:latin typeface="Consolas" panose="020B0609020204030204" pitchFamily="49" charset="0"/>
+              </a:rPr>
+              <a:t>false</a:t>
+            </a:r>
+            <a:r>
+              <a:rPr lang="en-US" altLang="ko-KR" sz="1400" b="0" dirty="0">
+                <a:solidFill>
+                  <a:srgbClr val="CCCCCC"/>
+                </a:solidFill>
+                <a:effectLst/>
+                <a:latin typeface="Consolas" panose="020B0609020204030204" pitchFamily="49" charset="0"/>
+              </a:rPr>
+              <a:t>,</a:t>
+            </a:r>
+          </a:p>
+          <a:p>
+            <a:r>
+              <a:rPr lang="en-US" altLang="ko-KR" sz="1400" b="0" dirty="0">
+                <a:solidFill>
+                  <a:srgbClr val="CCCCCC"/>
+                </a:solidFill>
+                <a:effectLst/>
+                <a:latin typeface="Consolas" panose="020B0609020204030204" pitchFamily="49" charset="0"/>
+              </a:rPr>
+              <a:t>    </a:t>
+            </a:r>
+            <a:r>
+              <a:rPr lang="en-US" altLang="ko-KR" sz="1400" b="0" dirty="0">
+                <a:solidFill>
+                  <a:srgbClr val="9CDCFE"/>
+                </a:solidFill>
+                <a:effectLst/>
+                <a:latin typeface="Consolas" panose="020B0609020204030204" pitchFamily="49" charset="0"/>
+              </a:rPr>
+              <a:t>"</a:t>
+            </a:r>
+            <a:r>
+              <a:rPr lang="en-US" altLang="ko-KR" sz="1400" b="0" dirty="0" err="1">
+                <a:solidFill>
+                  <a:srgbClr val="9CDCFE"/>
+                </a:solidFill>
+                <a:effectLst/>
+                <a:latin typeface="Consolas" panose="020B0609020204030204" pitchFamily="49" charset="0"/>
+              </a:rPr>
+              <a:t>arduino.skipHeaderProvider</a:t>
+            </a:r>
+            <a:r>
+              <a:rPr lang="en-US" altLang="ko-KR" sz="1400" b="0" dirty="0">
+                <a:solidFill>
+                  <a:srgbClr val="9CDCFE"/>
+                </a:solidFill>
+                <a:effectLst/>
+                <a:latin typeface="Consolas" panose="020B0609020204030204" pitchFamily="49" charset="0"/>
+              </a:rPr>
+              <a:t>"</a:t>
+            </a:r>
+            <a:r>
+              <a:rPr lang="en-US" altLang="ko-KR" sz="1400" b="0" dirty="0">
+                <a:solidFill>
+                  <a:srgbClr val="CCCCCC"/>
+                </a:solidFill>
+                <a:effectLst/>
+                <a:latin typeface="Consolas" panose="020B0609020204030204" pitchFamily="49" charset="0"/>
+              </a:rPr>
+              <a:t>: </a:t>
+            </a:r>
+            <a:r>
+              <a:rPr lang="en-US" altLang="ko-KR" sz="1400" b="0" dirty="0">
+                <a:solidFill>
+                  <a:srgbClr val="569CD6"/>
+                </a:solidFill>
+                <a:effectLst/>
+                <a:latin typeface="Consolas" panose="020B0609020204030204" pitchFamily="49" charset="0"/>
+              </a:rPr>
+              <a:t>false</a:t>
+            </a:r>
+            <a:r>
+              <a:rPr lang="en-US" altLang="ko-KR" sz="1400" b="0" dirty="0">
+                <a:solidFill>
+                  <a:srgbClr val="CCCCCC"/>
+                </a:solidFill>
+                <a:effectLst/>
+                <a:latin typeface="Consolas" panose="020B0609020204030204" pitchFamily="49" charset="0"/>
+              </a:rPr>
+              <a:t>,</a:t>
+            </a:r>
+          </a:p>
+          <a:p>
+            <a:r>
+              <a:rPr lang="en-US" altLang="ko-KR" sz="1400" b="0" dirty="0">
+                <a:solidFill>
+                  <a:srgbClr val="CCCCCC"/>
+                </a:solidFill>
+                <a:effectLst/>
+                <a:latin typeface="Consolas" panose="020B0609020204030204" pitchFamily="49" charset="0"/>
+              </a:rPr>
+              <a:t>    </a:t>
+            </a:r>
+            <a:r>
+              <a:rPr lang="en-US" altLang="ko-KR" sz="1400" b="0" dirty="0">
+                <a:solidFill>
+                  <a:srgbClr val="9CDCFE"/>
+                </a:solidFill>
+                <a:effectLst/>
+                <a:latin typeface="Consolas" panose="020B0609020204030204" pitchFamily="49" charset="0"/>
+              </a:rPr>
+              <a:t>"</a:t>
+            </a:r>
+            <a:r>
+              <a:rPr lang="en-US" altLang="ko-KR" sz="1400" b="0" dirty="0" err="1">
+                <a:solidFill>
+                  <a:srgbClr val="9CDCFE"/>
+                </a:solidFill>
+                <a:effectLst/>
+                <a:latin typeface="Consolas" panose="020B0609020204030204" pitchFamily="49" charset="0"/>
+              </a:rPr>
+              <a:t>arduino.additionalUrls</a:t>
+            </a:r>
+            <a:r>
+              <a:rPr lang="en-US" altLang="ko-KR" sz="1400" b="0" dirty="0">
+                <a:solidFill>
+                  <a:srgbClr val="9CDCFE"/>
+                </a:solidFill>
+                <a:effectLst/>
+                <a:latin typeface="Consolas" panose="020B0609020204030204" pitchFamily="49" charset="0"/>
+              </a:rPr>
+              <a:t>"</a:t>
+            </a:r>
+            <a:r>
+              <a:rPr lang="en-US" altLang="ko-KR" sz="1400" b="0" dirty="0">
+                <a:solidFill>
+                  <a:srgbClr val="CCCCCC"/>
+                </a:solidFill>
+                <a:effectLst/>
+                <a:latin typeface="Consolas" panose="020B0609020204030204" pitchFamily="49" charset="0"/>
+              </a:rPr>
+              <a:t>: [</a:t>
+            </a:r>
+          </a:p>
+          <a:p>
+            <a:r>
+              <a:rPr lang="en-US" altLang="ko-KR" sz="1400" b="0" dirty="0">
+                <a:solidFill>
+                  <a:srgbClr val="CCCCCC"/>
+                </a:solidFill>
+                <a:effectLst/>
+                <a:latin typeface="Consolas" panose="020B0609020204030204" pitchFamily="49" charset="0"/>
+              </a:rPr>
+              <a:t>        </a:t>
+            </a:r>
+            <a:r>
+              <a:rPr lang="en-US" altLang="ko-KR" sz="1400" b="0" dirty="0">
+                <a:solidFill>
+                  <a:srgbClr val="CE9178"/>
+                </a:solidFill>
+                <a:effectLst/>
+                <a:latin typeface="Consolas" panose="020B0609020204030204" pitchFamily="49" charset="0"/>
+              </a:rPr>
+              <a:t>"https://raw.githubusercontent.com/</a:t>
+            </a:r>
+            <a:r>
+              <a:rPr lang="en-US" altLang="ko-KR" sz="1400" b="0" dirty="0" err="1">
+                <a:solidFill>
+                  <a:srgbClr val="CE9178"/>
+                </a:solidFill>
+                <a:effectLst/>
+                <a:latin typeface="Consolas" panose="020B0609020204030204" pitchFamily="49" charset="0"/>
+              </a:rPr>
+              <a:t>VSChina</a:t>
+            </a:r>
+            <a:r>
+              <a:rPr lang="en-US" altLang="ko-KR" sz="1400" b="0" dirty="0">
+                <a:solidFill>
+                  <a:srgbClr val="CE9178"/>
+                </a:solidFill>
+                <a:effectLst/>
+                <a:latin typeface="Consolas" panose="020B0609020204030204" pitchFamily="49" charset="0"/>
+              </a:rPr>
+              <a:t>/</a:t>
+            </a:r>
+            <a:r>
+              <a:rPr lang="en-US" altLang="ko-KR" sz="1400" b="0" dirty="0" err="1">
+                <a:solidFill>
+                  <a:srgbClr val="CE9178"/>
+                </a:solidFill>
+                <a:effectLst/>
+                <a:latin typeface="Consolas" panose="020B0609020204030204" pitchFamily="49" charset="0"/>
+              </a:rPr>
+              <a:t>azureiotdevkit_tools</a:t>
+            </a:r>
+            <a:r>
+              <a:rPr lang="en-US" altLang="ko-KR" sz="1400" b="0" dirty="0">
+                <a:solidFill>
+                  <a:srgbClr val="CE9178"/>
+                </a:solidFill>
+                <a:effectLst/>
+                <a:latin typeface="Consolas" panose="020B0609020204030204" pitchFamily="49" charset="0"/>
+              </a:rPr>
+              <a:t>/master/</a:t>
+            </a:r>
+            <a:r>
+              <a:rPr lang="en-US" altLang="ko-KR" sz="1400" b="0" dirty="0" err="1">
+                <a:solidFill>
+                  <a:srgbClr val="CE9178"/>
+                </a:solidFill>
+                <a:effectLst/>
+                <a:latin typeface="Consolas" panose="020B0609020204030204" pitchFamily="49" charset="0"/>
+              </a:rPr>
+              <a:t>package_azureboard_index.json</a:t>
+            </a:r>
+            <a:r>
+              <a:rPr lang="en-US" altLang="ko-KR" sz="1400" b="0" dirty="0">
+                <a:solidFill>
+                  <a:srgbClr val="CE9178"/>
+                </a:solidFill>
+                <a:effectLst/>
+                <a:latin typeface="Consolas" panose="020B0609020204030204" pitchFamily="49" charset="0"/>
+              </a:rPr>
+              <a:t>"</a:t>
+            </a:r>
+            <a:r>
+              <a:rPr lang="en-US" altLang="ko-KR" sz="1400" b="0" dirty="0">
+                <a:solidFill>
+                  <a:srgbClr val="CCCCCC"/>
+                </a:solidFill>
+                <a:effectLst/>
+                <a:latin typeface="Consolas" panose="020B0609020204030204" pitchFamily="49" charset="0"/>
+              </a:rPr>
+              <a:t>,</a:t>
+            </a:r>
+          </a:p>
+          <a:p>
+            <a:r>
+              <a:rPr lang="en-US" altLang="ko-KR" sz="1400" b="0" dirty="0">
+                <a:solidFill>
+                  <a:srgbClr val="CCCCCC"/>
+                </a:solidFill>
+                <a:effectLst/>
+                <a:latin typeface="Consolas" panose="020B0609020204030204" pitchFamily="49" charset="0"/>
+              </a:rPr>
+              <a:t>        </a:t>
+            </a:r>
+            <a:r>
+              <a:rPr lang="en-US" altLang="ko-KR" sz="1400" b="0" dirty="0">
+                <a:solidFill>
+                  <a:srgbClr val="CE9178"/>
+                </a:solidFill>
+                <a:effectLst/>
+                <a:latin typeface="Consolas" panose="020B0609020204030204" pitchFamily="49" charset="0"/>
+              </a:rPr>
+              <a:t>"http://arduino.esp8266.com/stable/package_esp8266com_index.json"</a:t>
+            </a:r>
+            <a:endParaRPr lang="en-US" altLang="ko-KR" sz="1400" b="0" dirty="0">
+              <a:solidFill>
+                <a:srgbClr val="CCCCCC"/>
+              </a:solidFill>
+              <a:effectLst/>
+              <a:latin typeface="Consolas" panose="020B0609020204030204" pitchFamily="49" charset="0"/>
+            </a:endParaRPr>
+          </a:p>
+          <a:p>
+            <a:r>
+              <a:rPr lang="en-US" altLang="ko-KR" sz="1400" b="0" dirty="0">
+                <a:solidFill>
+                  <a:srgbClr val="CCCCCC"/>
+                </a:solidFill>
+                <a:effectLst/>
+                <a:latin typeface="Consolas" panose="020B0609020204030204" pitchFamily="49" charset="0"/>
+              </a:rPr>
+              <a:t>    ],</a:t>
+            </a:r>
+          </a:p>
+          <a:p>
+            <a:r>
+              <a:rPr lang="en-US" altLang="ko-KR" sz="1400" b="0" dirty="0">
+                <a:solidFill>
+                  <a:srgbClr val="CCCCCC"/>
+                </a:solidFill>
+                <a:effectLst/>
+                <a:latin typeface="Consolas" panose="020B0609020204030204" pitchFamily="49" charset="0"/>
+              </a:rPr>
+              <a:t>    </a:t>
+            </a:r>
+            <a:r>
+              <a:rPr lang="en-US" altLang="ko-KR" sz="1400" b="0" dirty="0">
+                <a:solidFill>
+                  <a:srgbClr val="9CDCFE"/>
+                </a:solidFill>
+                <a:effectLst/>
+                <a:latin typeface="Consolas" panose="020B0609020204030204" pitchFamily="49" charset="0"/>
+              </a:rPr>
+              <a:t>"</a:t>
+            </a:r>
+            <a:r>
+              <a:rPr lang="en-US" altLang="ko-KR" sz="1400" b="0" dirty="0" err="1">
+                <a:solidFill>
+                  <a:srgbClr val="9CDCFE"/>
+                </a:solidFill>
+                <a:effectLst/>
+                <a:latin typeface="Consolas" panose="020B0609020204030204" pitchFamily="49" charset="0"/>
+              </a:rPr>
+              <a:t>arduino.defaultBaudRate</a:t>
+            </a:r>
+            <a:r>
+              <a:rPr lang="en-US" altLang="ko-KR" sz="1400" b="0" dirty="0">
+                <a:solidFill>
+                  <a:srgbClr val="9CDCFE"/>
+                </a:solidFill>
+                <a:effectLst/>
+                <a:latin typeface="Consolas" panose="020B0609020204030204" pitchFamily="49" charset="0"/>
+              </a:rPr>
+              <a:t>"</a:t>
+            </a:r>
+            <a:r>
+              <a:rPr lang="en-US" altLang="ko-KR" sz="1400" b="0" dirty="0">
+                <a:solidFill>
+                  <a:srgbClr val="CCCCCC"/>
+                </a:solidFill>
+                <a:effectLst/>
+                <a:latin typeface="Consolas" panose="020B0609020204030204" pitchFamily="49" charset="0"/>
+              </a:rPr>
+              <a:t>: </a:t>
+            </a:r>
+            <a:r>
+              <a:rPr lang="en-US" altLang="ko-KR" sz="1400" b="0" dirty="0">
+                <a:solidFill>
+                  <a:srgbClr val="B5CEA8"/>
+                </a:solidFill>
+                <a:effectLst/>
+                <a:latin typeface="Consolas" panose="020B0609020204030204" pitchFamily="49" charset="0"/>
+              </a:rPr>
+              <a:t>9600</a:t>
+            </a:r>
+            <a:endParaRPr lang="en-US" altLang="ko-KR" sz="1400" b="0" dirty="0">
+              <a:solidFill>
+                <a:srgbClr val="CCCCCC"/>
+              </a:solidFill>
+              <a:effectLst/>
+              <a:latin typeface="Consolas" panose="020B0609020204030204" pitchFamily="49" charset="0"/>
+            </a:endParaRPr>
+          </a:p>
+          <a:p>
+            <a:r>
+              <a:rPr lang="en-US" altLang="ko-KR" sz="1400" b="0" dirty="0">
+                <a:solidFill>
+                  <a:srgbClr val="CCCCCC"/>
+                </a:solidFill>
+                <a:effectLst/>
+                <a:latin typeface="Consolas" panose="020B0609020204030204" pitchFamily="49" charset="0"/>
+              </a:rPr>
+              <a:t>}</a:t>
+            </a:r>
+          </a:p>
+        </p:txBody>
+      </p:sp>
+      <p:sp>
+        <p:nvSpPr>
+          <p:cNvPr id="4" name="TextBox 3">
+            <a:extLst>
+              <a:ext uri="{FF2B5EF4-FFF2-40B4-BE49-F238E27FC236}">
+                <a16:creationId xmlns:a16="http://schemas.microsoft.com/office/drawing/2014/main" id="{1D2607E3-D049-9DE2-E821-0C730948E782}"/>
+              </a:ext>
+            </a:extLst>
+          </p:cNvPr>
+          <p:cNvSpPr txBox="1">
+            <a:spLocks noChangeArrowheads="1"/>
+          </p:cNvSpPr>
+          <p:nvPr/>
+        </p:nvSpPr>
+        <p:spPr bwMode="auto">
+          <a:xfrm>
+            <a:off x="97911" y="0"/>
+            <a:ext cx="10942852" cy="494879"/>
+          </a:xfrm>
+          <a:prstGeom prst="rect">
+            <a:avLst/>
+          </a:prstGeom>
+          <a:noFill/>
+          <a:ln>
+            <a:noFill/>
+          </a:ln>
+          <a:extLst>
+            <a:ext uri="{909E8E84-426E-40DD-AFC4-6F175D3DCCD1}">
+              <a14:hiddenFill xmlns:a14="http://schemas.microsoft.com/office/drawing/2010/main">
+                <a:solidFill>
+                  <a:srgbClr val="FFFFFF"/>
+                </a:solidFill>
+              </a14:hiddenFill>
+            </a:ext>
+            <a:ext uri="{91240B29-F687-4F45-9708-019B960494DF}">
+              <a14:hiddenLine xmlns:a14="http://schemas.microsoft.com/office/drawing/2010/main" w="9525">
+                <a:solidFill>
+                  <a:srgbClr val="000000"/>
+                </a:solidFill>
+                <a:miter lim="800000"/>
+                <a:headEnd/>
+                <a:tailEnd/>
+              </a14:hiddenLine>
+            </a:ext>
+          </a:extLst>
+        </p:spPr>
+        <p:txBody>
+          <a:bodyPr wrap="square">
+            <a:spAutoFit/>
+          </a:bodyPr>
+          <a:lstStyle>
+            <a:lvl1pPr latinLnBrk="1">
+              <a:lnSpc>
+                <a:spcPct val="90000"/>
+              </a:lnSpc>
+              <a:spcBef>
+                <a:spcPts val="1000"/>
+              </a:spcBef>
+              <a:buFont typeface="Arial" panose="020B0604020202020204" pitchFamily="34" charset="0"/>
+              <a:buChar char="•"/>
+              <a:defRPr sz="2800">
+                <a:solidFill>
+                  <a:schemeClr val="tx1"/>
+                </a:solidFill>
+                <a:latin typeface="맑은 고딕" panose="020B0503020000020004" pitchFamily="50" charset="-127"/>
+                <a:ea typeface="맑은 고딕" panose="020B0503020000020004" pitchFamily="50" charset="-127"/>
+              </a:defRPr>
+            </a:lvl1pPr>
+            <a:lvl2pPr marL="742950" indent="-285750" latinLnBrk="1">
+              <a:lnSpc>
+                <a:spcPct val="90000"/>
+              </a:lnSpc>
+              <a:spcBef>
+                <a:spcPts val="500"/>
+              </a:spcBef>
+              <a:buFont typeface="Arial" panose="020B0604020202020204" pitchFamily="34" charset="0"/>
+              <a:buChar char="•"/>
+              <a:defRPr sz="2400">
+                <a:solidFill>
+                  <a:schemeClr val="tx1"/>
+                </a:solidFill>
+                <a:latin typeface="맑은 고딕" panose="020B0503020000020004" pitchFamily="50" charset="-127"/>
+                <a:ea typeface="맑은 고딕" panose="020B0503020000020004" pitchFamily="50" charset="-127"/>
+              </a:defRPr>
+            </a:lvl2pPr>
+            <a:lvl3pPr marL="1143000" indent="-228600" latinLnBrk="1">
+              <a:lnSpc>
+                <a:spcPct val="90000"/>
+              </a:lnSpc>
+              <a:spcBef>
+                <a:spcPts val="500"/>
+              </a:spcBef>
+              <a:buFont typeface="Arial" panose="020B0604020202020204" pitchFamily="34" charset="0"/>
+              <a:buChar char="•"/>
+              <a:defRPr sz="2000">
+                <a:solidFill>
+                  <a:schemeClr val="tx1"/>
+                </a:solidFill>
+                <a:latin typeface="맑은 고딕" panose="020B0503020000020004" pitchFamily="50" charset="-127"/>
+                <a:ea typeface="맑은 고딕" panose="020B0503020000020004" pitchFamily="50" charset="-127"/>
+              </a:defRPr>
+            </a:lvl3pPr>
+            <a:lvl4pPr marL="1600200" indent="-228600" latinLnBrk="1">
+              <a:lnSpc>
+                <a:spcPct val="90000"/>
+              </a:lnSpc>
+              <a:spcBef>
+                <a:spcPts val="500"/>
+              </a:spcBef>
+              <a:buFont typeface="Arial" panose="020B0604020202020204" pitchFamily="34" charset="0"/>
+              <a:buChar char="•"/>
+              <a:defRPr>
+                <a:solidFill>
+                  <a:schemeClr val="tx1"/>
+                </a:solidFill>
+                <a:latin typeface="맑은 고딕" panose="020B0503020000020004" pitchFamily="50" charset="-127"/>
+                <a:ea typeface="맑은 고딕" panose="020B0503020000020004" pitchFamily="50" charset="-127"/>
+              </a:defRPr>
+            </a:lvl4pPr>
+            <a:lvl5pPr marL="2057400" indent="-228600" latinLnBrk="1">
+              <a:lnSpc>
+                <a:spcPct val="90000"/>
+              </a:lnSpc>
+              <a:spcBef>
+                <a:spcPts val="500"/>
+              </a:spcBef>
+              <a:buFont typeface="Arial" panose="020B0604020202020204" pitchFamily="34" charset="0"/>
+              <a:buChar char="•"/>
+              <a:defRPr>
+                <a:solidFill>
+                  <a:schemeClr val="tx1"/>
+                </a:solidFill>
+                <a:latin typeface="맑은 고딕" panose="020B0503020000020004" pitchFamily="50" charset="-127"/>
+                <a:ea typeface="맑은 고딕" panose="020B0503020000020004" pitchFamily="50" charset="-127"/>
+              </a:defRPr>
+            </a:lvl5pPr>
+            <a:lvl6pPr marL="2514600" indent="-228600" eaLnBrk="0" fontAlgn="base" hangingPunct="0">
+              <a:lnSpc>
+                <a:spcPct val="90000"/>
+              </a:lnSpc>
+              <a:spcBef>
+                <a:spcPts val="500"/>
+              </a:spcBef>
+              <a:spcAft>
+                <a:spcPct val="0"/>
+              </a:spcAft>
+              <a:buFont typeface="Arial" panose="020B0604020202020204" pitchFamily="34" charset="0"/>
+              <a:buChar char="•"/>
+              <a:defRPr>
+                <a:solidFill>
+                  <a:schemeClr val="tx1"/>
+                </a:solidFill>
+                <a:latin typeface="맑은 고딕" panose="020B0503020000020004" pitchFamily="50" charset="-127"/>
+                <a:ea typeface="맑은 고딕" panose="020B0503020000020004" pitchFamily="50" charset="-127"/>
+              </a:defRPr>
+            </a:lvl6pPr>
+            <a:lvl7pPr marL="2971800" indent="-228600" eaLnBrk="0" fontAlgn="base" hangingPunct="0">
+              <a:lnSpc>
+                <a:spcPct val="90000"/>
+              </a:lnSpc>
+              <a:spcBef>
+                <a:spcPts val="500"/>
+              </a:spcBef>
+              <a:spcAft>
+                <a:spcPct val="0"/>
+              </a:spcAft>
+              <a:buFont typeface="Arial" panose="020B0604020202020204" pitchFamily="34" charset="0"/>
+              <a:buChar char="•"/>
+              <a:defRPr>
+                <a:solidFill>
+                  <a:schemeClr val="tx1"/>
+                </a:solidFill>
+                <a:latin typeface="맑은 고딕" panose="020B0503020000020004" pitchFamily="50" charset="-127"/>
+                <a:ea typeface="맑은 고딕" panose="020B0503020000020004" pitchFamily="50" charset="-127"/>
+              </a:defRPr>
+            </a:lvl7pPr>
+            <a:lvl8pPr marL="3429000" indent="-228600" eaLnBrk="0" fontAlgn="base" hangingPunct="0">
+              <a:lnSpc>
+                <a:spcPct val="90000"/>
+              </a:lnSpc>
+              <a:spcBef>
+                <a:spcPts val="500"/>
+              </a:spcBef>
+              <a:spcAft>
+                <a:spcPct val="0"/>
+              </a:spcAft>
+              <a:buFont typeface="Arial" panose="020B0604020202020204" pitchFamily="34" charset="0"/>
+              <a:buChar char="•"/>
+              <a:defRPr>
+                <a:solidFill>
+                  <a:schemeClr val="tx1"/>
+                </a:solidFill>
+                <a:latin typeface="맑은 고딕" panose="020B0503020000020004" pitchFamily="50" charset="-127"/>
+                <a:ea typeface="맑은 고딕" panose="020B0503020000020004" pitchFamily="50" charset="-127"/>
+              </a:defRPr>
+            </a:lvl8pPr>
+            <a:lvl9pPr marL="3886200" indent="-228600" eaLnBrk="0" fontAlgn="base" hangingPunct="0">
+              <a:lnSpc>
+                <a:spcPct val="90000"/>
+              </a:lnSpc>
+              <a:spcBef>
+                <a:spcPts val="500"/>
+              </a:spcBef>
+              <a:spcAft>
+                <a:spcPct val="0"/>
+              </a:spcAft>
+              <a:buFont typeface="Arial" panose="020B0604020202020204" pitchFamily="34" charset="0"/>
+              <a:buChar char="•"/>
+              <a:defRPr>
+                <a:solidFill>
+                  <a:schemeClr val="tx1"/>
+                </a:solidFill>
+                <a:latin typeface="맑은 고딕" panose="020B0503020000020004" pitchFamily="50" charset="-127"/>
+                <a:ea typeface="맑은 고딕" panose="020B0503020000020004" pitchFamily="50" charset="-127"/>
+              </a:defRPr>
+            </a:lvl9pPr>
+          </a:lstStyle>
+          <a:p>
+            <a:pPr eaLnBrk="1" hangingPunct="1">
+              <a:lnSpc>
+                <a:spcPct val="150000"/>
+              </a:lnSpc>
+              <a:spcBef>
+                <a:spcPct val="0"/>
+              </a:spcBef>
+              <a:buNone/>
+            </a:pPr>
+            <a:r>
+              <a:rPr lang="en-US" altLang="ko-KR" sz="2000" b="1" dirty="0">
+                <a:solidFill>
+                  <a:srgbClr val="FF0000"/>
+                </a:solidFill>
+                <a:latin typeface="나눔고딕" panose="020D0604000000000000" pitchFamily="50" charset="-127"/>
+                <a:ea typeface="나눔고딕" panose="020D0604000000000000" pitchFamily="50" charset="-127"/>
+              </a:rPr>
+              <a:t>Ctrl+, </a:t>
+            </a:r>
+            <a:r>
+              <a:rPr lang="ko-KR" altLang="en-US" sz="2000" b="1" dirty="0">
+                <a:solidFill>
+                  <a:srgbClr val="FF0000"/>
+                </a:solidFill>
+                <a:latin typeface="나눔고딕" panose="020D0604000000000000" pitchFamily="50" charset="-127"/>
+                <a:ea typeface="나눔고딕" panose="020D0604000000000000" pitchFamily="50" charset="-127"/>
+              </a:rPr>
+              <a:t>→</a:t>
+            </a:r>
+            <a:r>
+              <a:rPr lang="en-US" altLang="ko-KR" sz="2000" b="1" dirty="0" err="1">
+                <a:solidFill>
+                  <a:srgbClr val="FF0000"/>
+                </a:solidFill>
+                <a:latin typeface="나눔고딕" panose="020D0604000000000000" pitchFamily="50" charset="-127"/>
+                <a:ea typeface="나눔고딕" panose="020D0604000000000000" pitchFamily="50" charset="-127"/>
+              </a:rPr>
+              <a:t>Extention</a:t>
+            </a:r>
+            <a:r>
+              <a:rPr lang="en-US" altLang="ko-KR" sz="2000" b="1" dirty="0">
+                <a:solidFill>
+                  <a:srgbClr val="FF0000"/>
+                </a:solidFill>
+                <a:latin typeface="나눔고딕" panose="020D0604000000000000" pitchFamily="50" charset="-127"/>
+                <a:ea typeface="나눔고딕" panose="020D0604000000000000" pitchFamily="50" charset="-127"/>
+              </a:rPr>
+              <a:t>(</a:t>
+            </a:r>
+            <a:r>
+              <a:rPr lang="ko-KR" altLang="en-US" sz="2000" b="1" dirty="0">
+                <a:solidFill>
+                  <a:srgbClr val="FF0000"/>
+                </a:solidFill>
+                <a:latin typeface="나눔고딕" panose="020D0604000000000000" pitchFamily="50" charset="-127"/>
+                <a:ea typeface="나눔고딕" panose="020D0604000000000000" pitchFamily="50" charset="-127"/>
+              </a:rPr>
+              <a:t>확장</a:t>
+            </a:r>
+            <a:r>
+              <a:rPr lang="en-US" altLang="ko-KR" sz="2000" b="1" dirty="0">
+                <a:solidFill>
+                  <a:srgbClr val="FF0000"/>
+                </a:solidFill>
+                <a:latin typeface="나눔고딕" panose="020D0604000000000000" pitchFamily="50" charset="-127"/>
+                <a:ea typeface="나눔고딕" panose="020D0604000000000000" pitchFamily="50" charset="-127"/>
+              </a:rPr>
+              <a:t>)</a:t>
+            </a:r>
+            <a:r>
+              <a:rPr lang="ko-KR" altLang="en-US" sz="2000" b="1" dirty="0">
+                <a:solidFill>
+                  <a:srgbClr val="FF0000"/>
+                </a:solidFill>
+                <a:latin typeface="나눔고딕" panose="020D0604000000000000" pitchFamily="50" charset="-127"/>
+                <a:ea typeface="나눔고딕" panose="020D0604000000000000" pitchFamily="50" charset="-127"/>
+              </a:rPr>
+              <a:t>→</a:t>
+            </a:r>
+            <a:r>
+              <a:rPr lang="en-US" altLang="ko-KR" sz="2000" b="1" dirty="0">
+                <a:solidFill>
+                  <a:srgbClr val="FF0000"/>
+                </a:solidFill>
+                <a:latin typeface="나눔고딕" panose="020D0604000000000000" pitchFamily="50" charset="-127"/>
+                <a:ea typeface="나눔고딕" panose="020D0604000000000000" pitchFamily="50" charset="-127"/>
+              </a:rPr>
+              <a:t>Arduino</a:t>
+            </a:r>
+            <a:r>
+              <a:rPr lang="ko-KR" altLang="en-US" sz="2000" b="1" dirty="0">
+                <a:solidFill>
+                  <a:srgbClr val="FF0000"/>
+                </a:solidFill>
+                <a:latin typeface="나눔고딕" panose="020D0604000000000000" pitchFamily="50" charset="-127"/>
+                <a:ea typeface="나눔고딕" panose="020D0604000000000000" pitchFamily="50" charset="-127"/>
+              </a:rPr>
+              <a:t> </a:t>
+            </a:r>
+            <a:r>
+              <a:rPr lang="en-US" altLang="ko-KR" sz="2000" b="1" dirty="0">
+                <a:solidFill>
+                  <a:srgbClr val="FF0000"/>
+                </a:solidFill>
+                <a:latin typeface="나눔고딕" panose="020D0604000000000000" pitchFamily="50" charset="-127"/>
+                <a:ea typeface="나눔고딕" panose="020D0604000000000000" pitchFamily="50" charset="-127"/>
+              </a:rPr>
+              <a:t>Configuration </a:t>
+            </a:r>
+            <a:r>
+              <a:rPr lang="ko-KR" altLang="en-US" sz="2000" b="1" dirty="0">
+                <a:solidFill>
+                  <a:srgbClr val="FF0000"/>
+                </a:solidFill>
+                <a:latin typeface="나눔고딕" panose="020D0604000000000000" pitchFamily="50" charset="-127"/>
+                <a:ea typeface="나눔고딕" panose="020D0604000000000000" pitchFamily="50" charset="-127"/>
+              </a:rPr>
+              <a:t>→ </a:t>
+            </a:r>
+            <a:r>
+              <a:rPr lang="en-US" altLang="ko-KR" sz="2000" b="1" dirty="0" err="1">
+                <a:solidFill>
+                  <a:srgbClr val="FF0000"/>
+                </a:solidFill>
+                <a:latin typeface="나눔고딕" panose="020D0604000000000000" pitchFamily="50" charset="-127"/>
+                <a:ea typeface="나눔고딕" panose="020D0604000000000000" pitchFamily="50" charset="-127"/>
+              </a:rPr>
+              <a:t>setting.json</a:t>
+            </a:r>
+            <a:r>
+              <a:rPr lang="ko-KR" altLang="en-US" sz="2000" b="1" dirty="0">
+                <a:solidFill>
+                  <a:srgbClr val="FF0000"/>
+                </a:solidFill>
+                <a:latin typeface="나눔고딕" panose="020D0604000000000000" pitchFamily="50" charset="-127"/>
+                <a:ea typeface="나눔고딕" panose="020D0604000000000000" pitchFamily="50" charset="-127"/>
+              </a:rPr>
+              <a:t>에서 편집 해서 밑에 처럼 </a:t>
+            </a:r>
+            <a:endParaRPr lang="en-US" altLang="ko-KR" sz="2000" b="1" dirty="0">
+              <a:solidFill>
+                <a:srgbClr val="FF0000"/>
+              </a:solidFill>
+              <a:latin typeface="나눔고딕" panose="020D0604000000000000" pitchFamily="50" charset="-127"/>
+              <a:ea typeface="나눔고딕" panose="020D0604000000000000" pitchFamily="50" charset="-127"/>
+            </a:endParaRPr>
+          </a:p>
+        </p:txBody>
+      </p:sp>
+    </p:spTree>
+    <p:extLst>
+      <p:ext uri="{BB962C8B-B14F-4D97-AF65-F5344CB8AC3E}">
+        <p14:creationId xmlns:p14="http://schemas.microsoft.com/office/powerpoint/2010/main" val="3522279297"/>
+      </p:ext>
+    </p:extLst>
+  </p:cSld>
+  <p:clrMapOvr>
+    <a:masterClrMapping/>
+  </p:clrMapOvr>
+</p:sld>
+</file>
+
+<file path=ppt/slides/slide8.xml><?xml version="1.0" encoding="utf-8"?>
+<p:sld xmlns:a="http://schemas.openxmlformats.org/drawingml/2006/main" xmlns:r="http://schemas.openxmlformats.org/officeDocument/2006/relationships" xmlns:p="http://schemas.openxmlformats.org/presentationml/2006/main">
+  <p:cSld>
+    <p:spTree>
+      <p:nvGrpSpPr>
+        <p:cNvPr id="1" name=""/>
+        <p:cNvGrpSpPr/>
+        <p:nvPr/>
+      </p:nvGrpSpPr>
+      <p:grpSpPr>
+        <a:xfrm>
+          <a:off x="0" y="0"/>
+          <a:ext cx="0" cy="0"/>
+          <a:chOff x="0" y="0"/>
+          <a:chExt cx="0" cy="0"/>
+        </a:xfrm>
+      </p:grpSpPr>
+      <p:pic>
+        <p:nvPicPr>
+          <p:cNvPr id="3" name="그림 2">
+            <a:extLst>
+              <a:ext uri="{FF2B5EF4-FFF2-40B4-BE49-F238E27FC236}">
+                <a16:creationId xmlns:a16="http://schemas.microsoft.com/office/drawing/2014/main" id="{F4BCFE13-F73B-818D-6AD2-C47056BF4E29}"/>
+              </a:ext>
+            </a:extLst>
+          </p:cNvPr>
+          <p:cNvPicPr>
+            <a:picLocks noChangeAspect="1"/>
+          </p:cNvPicPr>
+          <p:nvPr/>
+        </p:nvPicPr>
+        <p:blipFill rotWithShape="1">
+          <a:blip r:embed="rId2">
+            <a:extLst>
+              <a:ext uri="{28A0092B-C50C-407E-A947-70E740481C1C}">
+                <a14:useLocalDpi xmlns:a14="http://schemas.microsoft.com/office/drawing/2010/main" val="0"/>
+              </a:ext>
+            </a:extLst>
+          </a:blip>
+          <a:srcRect l="13007" r="51872" b="72619"/>
+          <a:stretch/>
+        </p:blipFill>
+        <p:spPr>
+          <a:xfrm>
+            <a:off x="350795" y="461192"/>
+            <a:ext cx="5424616" cy="2834806"/>
+          </a:xfrm>
+          <a:prstGeom prst="rect">
+            <a:avLst/>
+          </a:prstGeom>
+        </p:spPr>
+      </p:pic>
+      <mc:AlternateContent xmlns:mc="http://schemas.openxmlformats.org/markup-compatibility/2006">
+        <mc:Choice xmlns:p14="http://schemas.microsoft.com/office/powerpoint/2010/main" Requires="p14">
+          <p:contentPart p14:bwMode="auto" r:id="rId3">
+            <p14:nvContentPartPr>
+              <p14:cNvPr id="5" name="잉크 4">
+                <a:extLst>
+                  <a:ext uri="{FF2B5EF4-FFF2-40B4-BE49-F238E27FC236}">
+                    <a16:creationId xmlns:a16="http://schemas.microsoft.com/office/drawing/2014/main" id="{C0AB254E-5E57-DCB5-9D57-074AA5DE33AF}"/>
+                  </a:ext>
+                </a:extLst>
+              </p14:cNvPr>
+              <p14:cNvContentPartPr/>
+              <p14:nvPr/>
+            </p14:nvContentPartPr>
+            <p14:xfrm>
+              <a:off x="3063103" y="1374689"/>
+              <a:ext cx="1937160" cy="335937"/>
+            </p14:xfrm>
+          </p:contentPart>
+        </mc:Choice>
+        <mc:Fallback>
+          <p:pic>
+            <p:nvPicPr>
+              <p:cNvPr id="5" name="잉크 4">
+                <a:extLst>
+                  <a:ext uri="{FF2B5EF4-FFF2-40B4-BE49-F238E27FC236}">
+                    <a16:creationId xmlns:a16="http://schemas.microsoft.com/office/drawing/2014/main" id="{C0AB254E-5E57-DCB5-9D57-074AA5DE33AF}"/>
+                  </a:ext>
+                </a:extLst>
+              </p:cNvPr>
+              <p:cNvPicPr/>
+              <p:nvPr/>
+            </p:nvPicPr>
+            <p:blipFill>
+              <a:blip r:embed="rId4"/>
+              <a:stretch>
+                <a:fillRect/>
+              </a:stretch>
+            </p:blipFill>
+            <p:spPr>
+              <a:xfrm>
+                <a:off x="3054463" y="1366057"/>
+                <a:ext cx="1954800" cy="353561"/>
+              </a:xfrm>
+              <a:prstGeom prst="rect">
+                <a:avLst/>
+              </a:prstGeom>
+            </p:spPr>
+          </p:pic>
+        </mc:Fallback>
+      </mc:AlternateContent>
+      <p:sp>
+        <p:nvSpPr>
+          <p:cNvPr id="17" name="TextBox 16">
+            <a:extLst>
+              <a:ext uri="{FF2B5EF4-FFF2-40B4-BE49-F238E27FC236}">
+                <a16:creationId xmlns:a16="http://schemas.microsoft.com/office/drawing/2014/main" id="{97A382CA-BCF5-3693-D61C-62737C50056A}"/>
+              </a:ext>
+            </a:extLst>
+          </p:cNvPr>
+          <p:cNvSpPr txBox="1"/>
+          <p:nvPr/>
+        </p:nvSpPr>
+        <p:spPr>
+          <a:xfrm>
+            <a:off x="0" y="-113750"/>
+            <a:ext cx="4315212" cy="655372"/>
+          </a:xfrm>
+          <a:prstGeom prst="rect">
+            <a:avLst/>
+          </a:prstGeom>
+          <a:noFill/>
+        </p:spPr>
+        <p:txBody>
+          <a:bodyPr wrap="square" rtlCol="0">
+            <a:spAutoFit/>
+          </a:bodyPr>
+          <a:lstStyle/>
+          <a:p>
+            <a:pPr>
+              <a:lnSpc>
+                <a:spcPct val="150000"/>
+              </a:lnSpc>
+            </a:pPr>
+            <a:r>
+              <a:rPr lang="ko-KR" altLang="en-US" sz="2800" b="1" dirty="0">
+                <a:solidFill>
+                  <a:srgbClr val="FF0000"/>
+                </a:solidFill>
+              </a:rPr>
+              <a:t>라이브러리설치법</a:t>
+            </a:r>
+            <a:endParaRPr lang="en-US" altLang="ko-KR" sz="2800" b="1" dirty="0">
+              <a:solidFill>
+                <a:srgbClr val="FF0000"/>
+              </a:solidFill>
+            </a:endParaRPr>
+          </a:p>
+        </p:txBody>
+      </p:sp>
+      <p:pic>
+        <p:nvPicPr>
+          <p:cNvPr id="22" name="그림 21">
+            <a:extLst>
+              <a:ext uri="{FF2B5EF4-FFF2-40B4-BE49-F238E27FC236}">
+                <a16:creationId xmlns:a16="http://schemas.microsoft.com/office/drawing/2014/main" id="{054E7A1C-CE36-4B53-1732-5867887D608D}"/>
+              </a:ext>
+            </a:extLst>
+          </p:cNvPr>
+          <p:cNvPicPr>
+            <a:picLocks noChangeAspect="1"/>
+          </p:cNvPicPr>
+          <p:nvPr/>
+        </p:nvPicPr>
+        <p:blipFill>
+          <a:blip r:embed="rId5"/>
+          <a:stretch>
+            <a:fillRect/>
+          </a:stretch>
+        </p:blipFill>
+        <p:spPr>
+          <a:xfrm>
+            <a:off x="5405630" y="3987598"/>
+            <a:ext cx="6119685" cy="2904032"/>
+          </a:xfrm>
+          <a:prstGeom prst="rect">
+            <a:avLst/>
+          </a:prstGeom>
+        </p:spPr>
+      </p:pic>
+      <p:sp>
+        <p:nvSpPr>
+          <p:cNvPr id="23" name="TextBox 22">
+            <a:extLst>
+              <a:ext uri="{FF2B5EF4-FFF2-40B4-BE49-F238E27FC236}">
+                <a16:creationId xmlns:a16="http://schemas.microsoft.com/office/drawing/2014/main" id="{BAE80BD6-2920-CFF1-9F15-6C7F2B953896}"/>
+              </a:ext>
+            </a:extLst>
+          </p:cNvPr>
+          <p:cNvSpPr txBox="1"/>
+          <p:nvPr/>
+        </p:nvSpPr>
+        <p:spPr>
+          <a:xfrm>
+            <a:off x="8914773" y="4842908"/>
+            <a:ext cx="2831354" cy="373885"/>
+          </a:xfrm>
+          <a:prstGeom prst="rect">
+            <a:avLst/>
+          </a:prstGeom>
+          <a:noFill/>
+        </p:spPr>
+        <p:txBody>
+          <a:bodyPr wrap="square" rtlCol="0">
+            <a:spAutoFit/>
+          </a:bodyPr>
+          <a:lstStyle/>
+          <a:p>
+            <a:pPr>
+              <a:lnSpc>
+                <a:spcPct val="150000"/>
+              </a:lnSpc>
+            </a:pPr>
+            <a:r>
+              <a:rPr lang="ko-KR" altLang="en-US" sz="1400" b="1" dirty="0">
+                <a:solidFill>
+                  <a:srgbClr val="FF0000"/>
+                </a:solidFill>
+              </a:rPr>
+              <a:t>라이브러리 경로 </a:t>
+            </a:r>
+            <a:r>
+              <a:rPr lang="ko-KR" altLang="en-US" sz="1400" b="1" dirty="0" err="1">
+                <a:solidFill>
+                  <a:srgbClr val="FF0000"/>
+                </a:solidFill>
+              </a:rPr>
+              <a:t>넣는곳</a:t>
+            </a:r>
+            <a:endParaRPr lang="en-US" altLang="ko-KR" sz="1400" b="1" dirty="0">
+              <a:solidFill>
+                <a:srgbClr val="FF0000"/>
+              </a:solidFill>
+            </a:endParaRPr>
+          </a:p>
+        </p:txBody>
+      </p:sp>
+      <p:sp>
+        <p:nvSpPr>
+          <p:cNvPr id="24" name="TextBox 23">
+            <a:extLst>
+              <a:ext uri="{FF2B5EF4-FFF2-40B4-BE49-F238E27FC236}">
+                <a16:creationId xmlns:a16="http://schemas.microsoft.com/office/drawing/2014/main" id="{935E0578-96F9-DA6C-EF10-8F814DB6BCA8}"/>
+              </a:ext>
+            </a:extLst>
+          </p:cNvPr>
+          <p:cNvSpPr txBox="1">
+            <a:spLocks noChangeArrowheads="1"/>
+          </p:cNvSpPr>
+          <p:nvPr/>
+        </p:nvSpPr>
+        <p:spPr bwMode="auto">
+          <a:xfrm>
+            <a:off x="533400" y="3429000"/>
+            <a:ext cx="10942852" cy="655885"/>
+          </a:xfrm>
+          <a:prstGeom prst="rect">
+            <a:avLst/>
+          </a:prstGeom>
+          <a:noFill/>
+          <a:ln>
+            <a:noFill/>
+          </a:ln>
+          <a:extLst>
+            <a:ext uri="{909E8E84-426E-40DD-AFC4-6F175D3DCCD1}">
+              <a14:hiddenFill xmlns:a14="http://schemas.microsoft.com/office/drawing/2010/main">
+                <a:solidFill>
+                  <a:srgbClr val="FFFFFF"/>
+                </a:solidFill>
+              </a14:hiddenFill>
+            </a:ext>
+            <a:ext uri="{91240B29-F687-4F45-9708-019B960494DF}">
+              <a14:hiddenLine xmlns:a14="http://schemas.microsoft.com/office/drawing/2010/main" w="9525">
+                <a:solidFill>
+                  <a:srgbClr val="000000"/>
+                </a:solidFill>
+                <a:miter lim="800000"/>
+                <a:headEnd/>
+                <a:tailEnd/>
+              </a14:hiddenLine>
+            </a:ext>
+          </a:extLst>
+        </p:spPr>
+        <p:txBody>
+          <a:bodyPr wrap="square">
+            <a:spAutoFit/>
+          </a:bodyPr>
+          <a:lstStyle>
+            <a:lvl1pPr latinLnBrk="1">
+              <a:lnSpc>
+                <a:spcPct val="90000"/>
+              </a:lnSpc>
+              <a:spcBef>
+                <a:spcPts val="1000"/>
+              </a:spcBef>
+              <a:buFont typeface="Arial" panose="020B0604020202020204" pitchFamily="34" charset="0"/>
+              <a:buChar char="•"/>
+              <a:defRPr sz="2800">
+                <a:solidFill>
+                  <a:schemeClr val="tx1"/>
+                </a:solidFill>
+                <a:latin typeface="맑은 고딕" panose="020B0503020000020004" pitchFamily="50" charset="-127"/>
+                <a:ea typeface="맑은 고딕" panose="020B0503020000020004" pitchFamily="50" charset="-127"/>
+              </a:defRPr>
+            </a:lvl1pPr>
+            <a:lvl2pPr marL="742950" indent="-285750" latinLnBrk="1">
+              <a:lnSpc>
+                <a:spcPct val="90000"/>
+              </a:lnSpc>
+              <a:spcBef>
+                <a:spcPts val="500"/>
+              </a:spcBef>
+              <a:buFont typeface="Arial" panose="020B0604020202020204" pitchFamily="34" charset="0"/>
+              <a:buChar char="•"/>
+              <a:defRPr sz="2400">
+                <a:solidFill>
+                  <a:schemeClr val="tx1"/>
+                </a:solidFill>
+                <a:latin typeface="맑은 고딕" panose="020B0503020000020004" pitchFamily="50" charset="-127"/>
+                <a:ea typeface="맑은 고딕" panose="020B0503020000020004" pitchFamily="50" charset="-127"/>
+              </a:defRPr>
+            </a:lvl2pPr>
+            <a:lvl3pPr marL="1143000" indent="-228600" latinLnBrk="1">
+              <a:lnSpc>
+                <a:spcPct val="90000"/>
+              </a:lnSpc>
+              <a:spcBef>
+                <a:spcPts val="500"/>
+              </a:spcBef>
+              <a:buFont typeface="Arial" panose="020B0604020202020204" pitchFamily="34" charset="0"/>
+              <a:buChar char="•"/>
+              <a:defRPr sz="2000">
+                <a:solidFill>
+                  <a:schemeClr val="tx1"/>
+                </a:solidFill>
+                <a:latin typeface="맑은 고딕" panose="020B0503020000020004" pitchFamily="50" charset="-127"/>
+                <a:ea typeface="맑은 고딕" panose="020B0503020000020004" pitchFamily="50" charset="-127"/>
+              </a:defRPr>
+            </a:lvl3pPr>
+            <a:lvl4pPr marL="1600200" indent="-228600" latinLnBrk="1">
+              <a:lnSpc>
+                <a:spcPct val="90000"/>
+              </a:lnSpc>
+              <a:spcBef>
+                <a:spcPts val="500"/>
+              </a:spcBef>
+              <a:buFont typeface="Arial" panose="020B0604020202020204" pitchFamily="34" charset="0"/>
+              <a:buChar char="•"/>
+              <a:defRPr>
+                <a:solidFill>
+                  <a:schemeClr val="tx1"/>
+                </a:solidFill>
+                <a:latin typeface="맑은 고딕" panose="020B0503020000020004" pitchFamily="50" charset="-127"/>
+                <a:ea typeface="맑은 고딕" panose="020B0503020000020004" pitchFamily="50" charset="-127"/>
+              </a:defRPr>
+            </a:lvl4pPr>
+            <a:lvl5pPr marL="2057400" indent="-228600" latinLnBrk="1">
+              <a:lnSpc>
+                <a:spcPct val="90000"/>
+              </a:lnSpc>
+              <a:spcBef>
+                <a:spcPts val="500"/>
+              </a:spcBef>
+              <a:buFont typeface="Arial" panose="020B0604020202020204" pitchFamily="34" charset="0"/>
+              <a:buChar char="•"/>
+              <a:defRPr>
+                <a:solidFill>
+                  <a:schemeClr val="tx1"/>
+                </a:solidFill>
+                <a:latin typeface="맑은 고딕" panose="020B0503020000020004" pitchFamily="50" charset="-127"/>
+                <a:ea typeface="맑은 고딕" panose="020B0503020000020004" pitchFamily="50" charset="-127"/>
+              </a:defRPr>
+            </a:lvl5pPr>
+            <a:lvl6pPr marL="2514600" indent="-228600" eaLnBrk="0" fontAlgn="base" hangingPunct="0">
+              <a:lnSpc>
+                <a:spcPct val="90000"/>
+              </a:lnSpc>
+              <a:spcBef>
+                <a:spcPts val="500"/>
+              </a:spcBef>
+              <a:spcAft>
+                <a:spcPct val="0"/>
+              </a:spcAft>
+              <a:buFont typeface="Arial" panose="020B0604020202020204" pitchFamily="34" charset="0"/>
+              <a:buChar char="•"/>
+              <a:defRPr>
+                <a:solidFill>
+                  <a:schemeClr val="tx1"/>
+                </a:solidFill>
+                <a:latin typeface="맑은 고딕" panose="020B0503020000020004" pitchFamily="50" charset="-127"/>
+                <a:ea typeface="맑은 고딕" panose="020B0503020000020004" pitchFamily="50" charset="-127"/>
+              </a:defRPr>
+            </a:lvl6pPr>
+            <a:lvl7pPr marL="2971800" indent="-228600" eaLnBrk="0" fontAlgn="base" hangingPunct="0">
+              <a:lnSpc>
+                <a:spcPct val="90000"/>
+              </a:lnSpc>
+              <a:spcBef>
+                <a:spcPts val="500"/>
+              </a:spcBef>
+              <a:spcAft>
+                <a:spcPct val="0"/>
+              </a:spcAft>
+              <a:buFont typeface="Arial" panose="020B0604020202020204" pitchFamily="34" charset="0"/>
+              <a:buChar char="•"/>
+              <a:defRPr>
+                <a:solidFill>
+                  <a:schemeClr val="tx1"/>
+                </a:solidFill>
+                <a:latin typeface="맑은 고딕" panose="020B0503020000020004" pitchFamily="50" charset="-127"/>
+                <a:ea typeface="맑은 고딕" panose="020B0503020000020004" pitchFamily="50" charset="-127"/>
+              </a:defRPr>
+            </a:lvl7pPr>
+            <a:lvl8pPr marL="3429000" indent="-228600" eaLnBrk="0" fontAlgn="base" hangingPunct="0">
+              <a:lnSpc>
+                <a:spcPct val="90000"/>
+              </a:lnSpc>
+              <a:spcBef>
+                <a:spcPts val="500"/>
+              </a:spcBef>
+              <a:spcAft>
+                <a:spcPct val="0"/>
+              </a:spcAft>
+              <a:buFont typeface="Arial" panose="020B0604020202020204" pitchFamily="34" charset="0"/>
+              <a:buChar char="•"/>
+              <a:defRPr>
+                <a:solidFill>
+                  <a:schemeClr val="tx1"/>
+                </a:solidFill>
+                <a:latin typeface="맑은 고딕" panose="020B0503020000020004" pitchFamily="50" charset="-127"/>
+                <a:ea typeface="맑은 고딕" panose="020B0503020000020004" pitchFamily="50" charset="-127"/>
+              </a:defRPr>
+            </a:lvl8pPr>
+            <a:lvl9pPr marL="3886200" indent="-228600" eaLnBrk="0" fontAlgn="base" hangingPunct="0">
+              <a:lnSpc>
+                <a:spcPct val="90000"/>
+              </a:lnSpc>
+              <a:spcBef>
+                <a:spcPts val="500"/>
+              </a:spcBef>
+              <a:spcAft>
+                <a:spcPct val="0"/>
+              </a:spcAft>
+              <a:buFont typeface="Arial" panose="020B0604020202020204" pitchFamily="34" charset="0"/>
+              <a:buChar char="•"/>
+              <a:defRPr>
+                <a:solidFill>
+                  <a:schemeClr val="tx1"/>
+                </a:solidFill>
+                <a:latin typeface="맑은 고딕" panose="020B0503020000020004" pitchFamily="50" charset="-127"/>
+                <a:ea typeface="맑은 고딕" panose="020B0503020000020004" pitchFamily="50" charset="-127"/>
+              </a:defRPr>
+            </a:lvl9pPr>
+          </a:lstStyle>
+          <a:p>
+            <a:pPr eaLnBrk="1" hangingPunct="1">
+              <a:lnSpc>
+                <a:spcPct val="150000"/>
+              </a:lnSpc>
+              <a:spcBef>
+                <a:spcPct val="0"/>
+              </a:spcBef>
+              <a:buNone/>
+            </a:pPr>
+            <a:r>
+              <a:rPr lang="en-US" altLang="ko-KR" b="1" dirty="0">
+                <a:solidFill>
+                  <a:srgbClr val="FF0000"/>
+                </a:solidFill>
+                <a:latin typeface="나눔고딕" panose="020D0604000000000000" pitchFamily="50" charset="-127"/>
+                <a:ea typeface="나눔고딕" panose="020D0604000000000000" pitchFamily="50" charset="-127"/>
+              </a:rPr>
+              <a:t>F1</a:t>
+            </a:r>
+            <a:r>
+              <a:rPr lang="ko-KR" altLang="en-US" b="1" dirty="0">
+                <a:solidFill>
+                  <a:srgbClr val="FF0000"/>
+                </a:solidFill>
+                <a:latin typeface="나눔고딕" panose="020D0604000000000000" pitchFamily="50" charset="-127"/>
+                <a:ea typeface="나눔고딕" panose="020D0604000000000000" pitchFamily="50" charset="-127"/>
+              </a:rPr>
+              <a:t> → </a:t>
+            </a:r>
+            <a:r>
+              <a:rPr lang="en-US" altLang="ko-KR" b="1" dirty="0">
+                <a:solidFill>
+                  <a:srgbClr val="FF0000"/>
+                </a:solidFill>
+                <a:latin typeface="나눔고딕" panose="020D0604000000000000" pitchFamily="50" charset="-127"/>
+                <a:ea typeface="나눔고딕" panose="020D0604000000000000" pitchFamily="50" charset="-127"/>
+              </a:rPr>
+              <a:t>C/C++</a:t>
+            </a:r>
+            <a:r>
+              <a:rPr lang="ko-KR" altLang="en-US" b="1" dirty="0">
+                <a:solidFill>
+                  <a:srgbClr val="FF0000"/>
+                </a:solidFill>
+                <a:latin typeface="나눔고딕" panose="020D0604000000000000" pitchFamily="50" charset="-127"/>
+                <a:ea typeface="나눔고딕" panose="020D0604000000000000" pitchFamily="50" charset="-127"/>
+              </a:rPr>
+              <a:t>구성편집</a:t>
+            </a:r>
+            <a:r>
+              <a:rPr lang="en-US" altLang="ko-KR" b="1" dirty="0">
+                <a:solidFill>
+                  <a:srgbClr val="FF0000"/>
+                </a:solidFill>
+                <a:latin typeface="나눔고딕" panose="020D0604000000000000" pitchFamily="50" charset="-127"/>
+                <a:ea typeface="나눔고딕" panose="020D0604000000000000" pitchFamily="50" charset="-127"/>
+              </a:rPr>
+              <a:t>(JSON)</a:t>
+            </a:r>
+            <a:r>
+              <a:rPr lang="ko-KR" altLang="en-US" b="1" dirty="0">
+                <a:solidFill>
+                  <a:srgbClr val="FF0000"/>
+                </a:solidFill>
+                <a:latin typeface="나눔고딕" panose="020D0604000000000000" pitchFamily="50" charset="-127"/>
+                <a:ea typeface="나눔고딕" panose="020D0604000000000000" pitchFamily="50" charset="-127"/>
+              </a:rPr>
+              <a:t>→ </a:t>
+            </a:r>
+            <a:r>
+              <a:rPr lang="en-US" altLang="ko-KR" b="1" dirty="0" err="1">
+                <a:solidFill>
+                  <a:srgbClr val="FF0000"/>
+                </a:solidFill>
+                <a:latin typeface="나눔고딕" panose="020D0604000000000000" pitchFamily="50" charset="-127"/>
+                <a:ea typeface="나눔고딕" panose="020D0604000000000000" pitchFamily="50" charset="-127"/>
+              </a:rPr>
+              <a:t>c_cpp_properties.json</a:t>
+            </a:r>
+            <a:r>
+              <a:rPr lang="ko-KR" altLang="en-US" b="1" dirty="0">
+                <a:solidFill>
+                  <a:srgbClr val="FF0000"/>
+                </a:solidFill>
+                <a:latin typeface="나눔고딕" panose="020D0604000000000000" pitchFamily="50" charset="-127"/>
+                <a:ea typeface="나눔고딕" panose="020D0604000000000000" pitchFamily="50" charset="-127"/>
+              </a:rPr>
+              <a:t>에서 편집</a:t>
+            </a:r>
+            <a:endParaRPr lang="en-US" altLang="ko-KR" b="1" dirty="0">
+              <a:solidFill>
+                <a:srgbClr val="FF0000"/>
+              </a:solidFill>
+              <a:latin typeface="나눔고딕" panose="020D0604000000000000" pitchFamily="50" charset="-127"/>
+              <a:ea typeface="나눔고딕" panose="020D0604000000000000" pitchFamily="50" charset="-127"/>
+            </a:endParaRPr>
+          </a:p>
+        </p:txBody>
+      </p:sp>
+      <p:pic>
+        <p:nvPicPr>
+          <p:cNvPr id="25" name="그림 24">
+            <a:extLst>
+              <a:ext uri="{FF2B5EF4-FFF2-40B4-BE49-F238E27FC236}">
+                <a16:creationId xmlns:a16="http://schemas.microsoft.com/office/drawing/2014/main" id="{A275B7F3-3A90-9F41-AD36-70999771C08D}"/>
+              </a:ext>
+            </a:extLst>
+          </p:cNvPr>
+          <p:cNvPicPr>
+            <a:picLocks noChangeAspect="1"/>
+          </p:cNvPicPr>
+          <p:nvPr/>
+        </p:nvPicPr>
+        <p:blipFill rotWithShape="1">
+          <a:blip r:embed="rId6">
+            <a:extLst>
+              <a:ext uri="{28A0092B-C50C-407E-A947-70E740481C1C}">
+                <a14:useLocalDpi xmlns:a14="http://schemas.microsoft.com/office/drawing/2010/main" val="0"/>
+              </a:ext>
+            </a:extLst>
+          </a:blip>
+          <a:srcRect l="24645" t="480" r="48952" b="75788"/>
+          <a:stretch/>
+        </p:blipFill>
+        <p:spPr>
+          <a:xfrm>
+            <a:off x="1083709" y="4141467"/>
+            <a:ext cx="3955403" cy="2255341"/>
+          </a:xfrm>
+          <a:prstGeom prst="rect">
+            <a:avLst/>
+          </a:prstGeom>
+        </p:spPr>
+      </p:pic>
+      <mc:AlternateContent xmlns:mc="http://schemas.openxmlformats.org/markup-compatibility/2006">
+        <mc:Choice xmlns:p14="http://schemas.microsoft.com/office/powerpoint/2010/main" Requires="p14">
+          <p:contentPart p14:bwMode="auto" r:id="rId7">
+            <p14:nvContentPartPr>
+              <p14:cNvPr id="26" name="잉크 25">
+                <a:extLst>
+                  <a:ext uri="{FF2B5EF4-FFF2-40B4-BE49-F238E27FC236}">
+                    <a16:creationId xmlns:a16="http://schemas.microsoft.com/office/drawing/2014/main" id="{00F08A41-ABD7-809E-46CD-1BC89DE0D82F}"/>
+                  </a:ext>
+                </a:extLst>
+              </p14:cNvPr>
+              <p14:cNvContentPartPr/>
+              <p14:nvPr/>
+            </p14:nvContentPartPr>
+            <p14:xfrm>
+              <a:off x="6053797" y="5029851"/>
+              <a:ext cx="4354920" cy="596160"/>
+            </p14:xfrm>
+          </p:contentPart>
+        </mc:Choice>
+        <mc:Fallback>
+          <p:pic>
+            <p:nvPicPr>
+              <p:cNvPr id="26" name="잉크 25">
+                <a:extLst>
+                  <a:ext uri="{FF2B5EF4-FFF2-40B4-BE49-F238E27FC236}">
+                    <a16:creationId xmlns:a16="http://schemas.microsoft.com/office/drawing/2014/main" id="{00F08A41-ABD7-809E-46CD-1BC89DE0D82F}"/>
+                  </a:ext>
+                </a:extLst>
+              </p:cNvPr>
+              <p:cNvPicPr/>
+              <p:nvPr/>
+            </p:nvPicPr>
+            <p:blipFill>
+              <a:blip r:embed="rId8"/>
+              <a:stretch>
+                <a:fillRect/>
+              </a:stretch>
+            </p:blipFill>
+            <p:spPr>
+              <a:xfrm>
+                <a:off x="6044797" y="5020851"/>
+                <a:ext cx="4372560" cy="613800"/>
+              </a:xfrm>
+              <a:prstGeom prst="rect">
+                <a:avLst/>
+              </a:prstGeom>
+            </p:spPr>
+          </p:pic>
+        </mc:Fallback>
+      </mc:AlternateContent>
+    </p:spTree>
+    <p:extLst>
+      <p:ext uri="{BB962C8B-B14F-4D97-AF65-F5344CB8AC3E}">
+        <p14:creationId xmlns:p14="http://schemas.microsoft.com/office/powerpoint/2010/main" val="1514887287"/>
+      </p:ext>
+    </p:extLst>
+  </p:cSld>
+  <p:clrMapOvr>
+    <a:masterClrMapping/>
+  </p:clrMapOvr>
+</p:sld>
+</file>
+
+<file path=ppt/slides/slide9.xml><?xml version="1.0" encoding="utf-8"?>
+<p:sld xmlns:a="http://schemas.openxmlformats.org/drawingml/2006/main" xmlns:r="http://schemas.openxmlformats.org/officeDocument/2006/relationships" xmlns:p="http://schemas.openxmlformats.org/presentationml/2006/main">
+  <p:cSld>
+    <p:spTree>
+      <p:nvGrpSpPr>
+        <p:cNvPr id="1" name=""/>
+        <p:cNvGrpSpPr/>
+        <p:nvPr/>
+      </p:nvGrpSpPr>
+      <p:grpSpPr>
+        <a:xfrm>
+          <a:off x="0" y="0"/>
+          <a:ext cx="0" cy="0"/>
+          <a:chOff x="0" y="0"/>
+          <a:chExt cx="0" cy="0"/>
+        </a:xfrm>
+      </p:grpSpPr>
+      <p:pic>
+        <p:nvPicPr>
+          <p:cNvPr id="8" name="그림 7">
+            <a:extLst>
+              <a:ext uri="{FF2B5EF4-FFF2-40B4-BE49-F238E27FC236}">
+                <a16:creationId xmlns:a16="http://schemas.microsoft.com/office/drawing/2014/main" id="{4BA9A4C3-DFC8-4278-23D3-83A06BE90D08}"/>
+              </a:ext>
+            </a:extLst>
+          </p:cNvPr>
+          <p:cNvPicPr>
+            <a:picLocks noChangeAspect="1"/>
+          </p:cNvPicPr>
+          <p:nvPr/>
+        </p:nvPicPr>
+        <p:blipFill>
+          <a:blip r:embed="rId2"/>
+          <a:stretch>
+            <a:fillRect/>
+          </a:stretch>
+        </p:blipFill>
+        <p:spPr>
+          <a:xfrm>
+            <a:off x="3089274" y="1360487"/>
+            <a:ext cx="6124575" cy="5063783"/>
+          </a:xfrm>
+          <a:prstGeom prst="rect">
+            <a:avLst/>
+          </a:prstGeom>
+        </p:spPr>
+      </p:pic>
+      <p:sp>
+        <p:nvSpPr>
+          <p:cNvPr id="9" name="직사각형 8">
+            <a:extLst>
+              <a:ext uri="{FF2B5EF4-FFF2-40B4-BE49-F238E27FC236}">
+                <a16:creationId xmlns:a16="http://schemas.microsoft.com/office/drawing/2014/main" id="{C78BCC4C-3655-0BDA-1D51-94C625D2006E}"/>
+              </a:ext>
+            </a:extLst>
+          </p:cNvPr>
+          <p:cNvSpPr/>
+          <p:nvPr/>
+        </p:nvSpPr>
+        <p:spPr>
+          <a:xfrm>
+            <a:off x="5937250" y="1485900"/>
+            <a:ext cx="781050" cy="762000"/>
+          </a:xfrm>
+          <a:prstGeom prst="rect">
+            <a:avLst/>
+          </a:prstGeom>
+          <a:noFill/>
+          <a:ln w="38100">
+            <a:solidFill>
+              <a:srgbClr val="FF0000"/>
+            </a:solidFill>
+          </a:ln>
+        </p:spPr>
+        <p:style>
+          <a:lnRef idx="2">
+            <a:schemeClr val="accent1">
+              <a:shade val="50000"/>
+            </a:schemeClr>
+          </a:lnRef>
+          <a:fillRef idx="1">
+            <a:schemeClr val="accent1"/>
+          </a:fillRef>
+          <a:effectRef idx="0">
+            <a:schemeClr val="accent1"/>
+          </a:effectRef>
+          <a:fontRef idx="minor">
+            <a:schemeClr val="lt1"/>
+          </a:fontRef>
+        </p:style>
+        <p:txBody>
+          <a:bodyPr rtlCol="0" anchor="ctr"/>
+          <a:lstStyle/>
+          <a:p>
+            <a:pPr algn="ctr"/>
+            <a:endParaRPr lang="ko-KR" altLang="en-US"/>
+          </a:p>
+        </p:txBody>
+      </p:sp>
+      <p:sp>
+        <p:nvSpPr>
+          <p:cNvPr id="10" name="직사각형 9">
+            <a:extLst>
+              <a:ext uri="{FF2B5EF4-FFF2-40B4-BE49-F238E27FC236}">
+                <a16:creationId xmlns:a16="http://schemas.microsoft.com/office/drawing/2014/main" id="{37A563AD-DC16-958B-710A-F34B5F21690E}"/>
+              </a:ext>
+            </a:extLst>
+          </p:cNvPr>
+          <p:cNvSpPr/>
+          <p:nvPr/>
+        </p:nvSpPr>
+        <p:spPr>
+          <a:xfrm>
+            <a:off x="6775450" y="1485900"/>
+            <a:ext cx="781050" cy="762000"/>
+          </a:xfrm>
+          <a:prstGeom prst="rect">
+            <a:avLst/>
+          </a:prstGeom>
+          <a:noFill/>
+          <a:ln w="38100">
+            <a:solidFill>
+              <a:srgbClr val="FF0000"/>
+            </a:solidFill>
+          </a:ln>
+        </p:spPr>
+        <p:style>
+          <a:lnRef idx="2">
+            <a:schemeClr val="accent1">
+              <a:shade val="50000"/>
+            </a:schemeClr>
+          </a:lnRef>
+          <a:fillRef idx="1">
+            <a:schemeClr val="accent1"/>
+          </a:fillRef>
+          <a:effectRef idx="0">
+            <a:schemeClr val="accent1"/>
+          </a:effectRef>
+          <a:fontRef idx="minor">
+            <a:schemeClr val="lt1"/>
+          </a:fontRef>
+        </p:style>
+        <p:txBody>
+          <a:bodyPr rtlCol="0" anchor="ctr"/>
+          <a:lstStyle/>
+          <a:p>
+            <a:pPr algn="ctr"/>
+            <a:endParaRPr lang="ko-KR" altLang="en-US"/>
+          </a:p>
+        </p:txBody>
+      </p:sp>
+      <p:cxnSp>
+        <p:nvCxnSpPr>
+          <p:cNvPr id="12" name="연결선: 꺾임 11">
+            <a:extLst>
+              <a:ext uri="{FF2B5EF4-FFF2-40B4-BE49-F238E27FC236}">
+                <a16:creationId xmlns:a16="http://schemas.microsoft.com/office/drawing/2014/main" id="{4C69E86A-9AC3-7B2E-5DFE-54D8AE12B1D9}"/>
+              </a:ext>
+            </a:extLst>
+          </p:cNvPr>
+          <p:cNvCxnSpPr>
+            <a:stCxn id="9" idx="0"/>
+          </p:cNvCxnSpPr>
+          <p:nvPr/>
+        </p:nvCxnSpPr>
+        <p:spPr>
+          <a:xfrm rot="16200000" flipV="1">
+            <a:off x="5018088" y="176212"/>
+            <a:ext cx="774700" cy="1844675"/>
+          </a:xfrm>
+          <a:prstGeom prst="bentConnector2">
+            <a:avLst/>
+          </a:prstGeom>
+          <a:ln w="28575">
+            <a:solidFill>
+              <a:srgbClr val="FF0000"/>
+            </a:solidFill>
+            <a:tailEnd type="triangle"/>
+          </a:ln>
+        </p:spPr>
+        <p:style>
+          <a:lnRef idx="1">
+            <a:schemeClr val="accent2"/>
+          </a:lnRef>
+          <a:fillRef idx="0">
+            <a:schemeClr val="accent2"/>
+          </a:fillRef>
+          <a:effectRef idx="0">
+            <a:schemeClr val="accent2"/>
+          </a:effectRef>
+          <a:fontRef idx="minor">
+            <a:schemeClr val="tx1"/>
+          </a:fontRef>
+        </p:style>
+      </p:cxnSp>
+      <p:sp>
+        <p:nvSpPr>
+          <p:cNvPr id="13" name="TextBox 12">
+            <a:extLst>
+              <a:ext uri="{FF2B5EF4-FFF2-40B4-BE49-F238E27FC236}">
+                <a16:creationId xmlns:a16="http://schemas.microsoft.com/office/drawing/2014/main" id="{205A8E8A-7841-EB05-3537-E8AC29C2D1A4}"/>
+              </a:ext>
+            </a:extLst>
+          </p:cNvPr>
+          <p:cNvSpPr txBox="1"/>
+          <p:nvPr/>
+        </p:nvSpPr>
+        <p:spPr>
+          <a:xfrm>
+            <a:off x="3047999" y="418811"/>
+            <a:ext cx="1435101" cy="584775"/>
+          </a:xfrm>
+          <a:prstGeom prst="rect">
+            <a:avLst/>
+          </a:prstGeom>
+          <a:noFill/>
+        </p:spPr>
+        <p:txBody>
+          <a:bodyPr wrap="square" rtlCol="0">
+            <a:spAutoFit/>
+          </a:bodyPr>
+          <a:lstStyle/>
+          <a:p>
+            <a:r>
+              <a:rPr lang="ko-KR" altLang="en-US" sz="3200" b="1" dirty="0">
+                <a:solidFill>
+                  <a:srgbClr val="FF0000"/>
+                </a:solidFill>
+              </a:rPr>
+              <a:t>업로드</a:t>
+            </a:r>
+          </a:p>
+        </p:txBody>
+      </p:sp>
+      <p:cxnSp>
+        <p:nvCxnSpPr>
+          <p:cNvPr id="15" name="연결선: 꺾임 14">
+            <a:extLst>
+              <a:ext uri="{FF2B5EF4-FFF2-40B4-BE49-F238E27FC236}">
+                <a16:creationId xmlns:a16="http://schemas.microsoft.com/office/drawing/2014/main" id="{6AE85FEE-B067-CE47-421D-DDF6531706A5}"/>
+              </a:ext>
+            </a:extLst>
+          </p:cNvPr>
+          <p:cNvCxnSpPr>
+            <a:stCxn id="10" idx="0"/>
+          </p:cNvCxnSpPr>
+          <p:nvPr/>
+        </p:nvCxnSpPr>
+        <p:spPr>
+          <a:xfrm rot="5400000" flipH="1" flipV="1">
+            <a:off x="7380287" y="496888"/>
+            <a:ext cx="774701" cy="1203325"/>
+          </a:xfrm>
+          <a:prstGeom prst="bentConnector2">
+            <a:avLst/>
+          </a:prstGeom>
+          <a:ln w="28575">
+            <a:solidFill>
+              <a:srgbClr val="FF0000"/>
+            </a:solidFill>
+            <a:tailEnd type="triangle"/>
+          </a:ln>
+        </p:spPr>
+        <p:style>
+          <a:lnRef idx="1">
+            <a:schemeClr val="accent1"/>
+          </a:lnRef>
+          <a:fillRef idx="0">
+            <a:schemeClr val="accent1"/>
+          </a:fillRef>
+          <a:effectRef idx="0">
+            <a:schemeClr val="accent1"/>
+          </a:effectRef>
+          <a:fontRef idx="minor">
+            <a:schemeClr val="tx1"/>
+          </a:fontRef>
+        </p:style>
+      </p:cxnSp>
+      <p:sp>
+        <p:nvSpPr>
+          <p:cNvPr id="16" name="TextBox 15">
+            <a:extLst>
+              <a:ext uri="{FF2B5EF4-FFF2-40B4-BE49-F238E27FC236}">
+                <a16:creationId xmlns:a16="http://schemas.microsoft.com/office/drawing/2014/main" id="{247D3FBE-6FBC-358B-3E5D-BB0A95C174C3}"/>
+              </a:ext>
+            </a:extLst>
+          </p:cNvPr>
+          <p:cNvSpPr txBox="1"/>
+          <p:nvPr/>
+        </p:nvSpPr>
+        <p:spPr>
+          <a:xfrm>
+            <a:off x="8477250" y="418811"/>
+            <a:ext cx="1203326" cy="646331"/>
+          </a:xfrm>
+          <a:prstGeom prst="rect">
+            <a:avLst/>
+          </a:prstGeom>
+          <a:noFill/>
+        </p:spPr>
+        <p:txBody>
+          <a:bodyPr wrap="square" rtlCol="0">
+            <a:spAutoFit/>
+          </a:bodyPr>
+          <a:lstStyle/>
+          <a:p>
+            <a:r>
+              <a:rPr lang="ko-KR" altLang="en-US" sz="3600" b="1" dirty="0">
+                <a:solidFill>
+                  <a:srgbClr val="FF0000"/>
+                </a:solidFill>
+              </a:rPr>
+              <a:t>빌드</a:t>
+            </a:r>
+          </a:p>
+        </p:txBody>
+      </p:sp>
+    </p:spTree>
+    <p:extLst>
+      <p:ext uri="{BB962C8B-B14F-4D97-AF65-F5344CB8AC3E}">
+        <p14:creationId xmlns:p14="http://schemas.microsoft.com/office/powerpoint/2010/main" val="1302999366"/>
       </p:ext>
     </p:extLst>
   </p:cSld>
